--- a/Presentations/05.12.2019/05.12.2019.pptx
+++ b/Presentations/05.12.2019/05.12.2019.pptx
@@ -7004,7 +7004,7 @@
           <a:p>
             <a:fld id="{C4E643B2-1F10-4FA6-AF83-B80C339AFFD2}" type="datetimeFigureOut">
               <a:rPr lang="en-GB" smtClean="0"/>
-              <a:t>04/12/2019</a:t>
+              <a:t>05/12/2019</a:t>
             </a:fld>
             <a:endParaRPr lang="en-GB"/>
           </a:p>
@@ -7163,7 +7163,7 @@
           <a:p>
             <a:fld id="{51E580D9-1E73-4EA3-8A31-458080799584}" type="slidenum">
               <a:rPr lang="en-GB" smtClean="0"/>
-              <a:t>‹Nr.›</a:t>
+              <a:t>‹#›</a:t>
             </a:fld>
             <a:endParaRPr lang="en-GB"/>
           </a:p>
@@ -8735,7 +8735,7 @@
           <a:p>
             <a:fld id="{1E5EDC2A-A41F-48AC-A1F2-517F5390EBA9}" type="datetimeFigureOut">
               <a:rPr lang="en-US" smtClean="0"/>
-              <a:t>12/4/2019</a:t>
+              <a:t>12/5/2019</a:t>
             </a:fld>
             <a:endParaRPr lang="en-US"/>
           </a:p>
@@ -8788,7 +8788,7 @@
           <a:lstStyle/>
           <a:p>
             <a:fld id="{596D3B8B-5091-4DD0-BF92-4EDB20C7B319}" type="slidenum">
-              <a:t>‹Nr.›</a:t>
+              <a:t>‹#›</a:t>
             </a:fld>
             <a:endParaRPr lang="en-US"/>
           </a:p>
@@ -9281,7 +9281,7 @@
                 <a:tabLst/>
                 <a:defRPr/>
               </a:pPr>
-              <a:t>‹Nr.›</a:t>
+              <a:t>‹#›</a:t>
             </a:fld>
             <a:endParaRPr kumimoji="0" lang="en-US" sz="1800" b="0" i="0" u="none" strike="noStrike" kern="1200" cap="none" spc="0" normalizeH="0" baseline="0" noProof="0">
               <a:ln>
@@ -10024,10 +10024,10 @@
       </p:sp>
       <p:pic>
         <p:nvPicPr>
-          <p:cNvPr id="4" name="Grafik 3">
+          <p:cNvPr id="5" name="Picture 4">
             <a:extLst>
               <a:ext uri="{FF2B5EF4-FFF2-40B4-BE49-F238E27FC236}">
-                <a16:creationId xmlns:a16="http://schemas.microsoft.com/office/drawing/2014/main" id="{E9CF6107-DD1C-4697-96C3-C23C313C8C16}"/>
+                <a16:creationId xmlns:a16="http://schemas.microsoft.com/office/drawing/2014/main" id="{B5E422D3-A854-4E18-BF10-B879F64AFECC}"/>
               </a:ext>
             </a:extLst>
           </p:cNvPr>
@@ -10050,8 +10050,8 @@
         </p:blipFill>
         <p:spPr>
           <a:xfrm>
-            <a:off x="2232325" y="1180905"/>
-            <a:ext cx="7727350" cy="4496190"/>
+            <a:off x="2281391" y="911142"/>
+            <a:ext cx="7629218" cy="5035716"/>
           </a:xfrm>
           <a:prstGeom prst="rect">
             <a:avLst/>
@@ -10145,42 +10145,6 @@
           </a:p>
         </p:txBody>
       </p:sp>
-      <p:pic>
-        <p:nvPicPr>
-          <p:cNvPr id="4" name="Grafik 3">
-            <a:extLst>
-              <a:ext uri="{FF2B5EF4-FFF2-40B4-BE49-F238E27FC236}">
-                <a16:creationId xmlns:a16="http://schemas.microsoft.com/office/drawing/2014/main" id="{DA954102-AE9B-490A-A4C9-73827A5B7193}"/>
-              </a:ext>
-            </a:extLst>
-          </p:cNvPr>
-          <p:cNvPicPr>
-            <a:picLocks noChangeAspect="1"/>
-          </p:cNvPicPr>
-          <p:nvPr/>
-        </p:nvPicPr>
-        <p:blipFill>
-          <a:blip r:embed="rId3">
-            <a:extLst>
-              <a:ext uri="{28A0092B-C50C-407E-A947-70E740481C1C}">
-                <a14:useLocalDpi xmlns:a14="http://schemas.microsoft.com/office/drawing/2010/main" val="0"/>
-              </a:ext>
-            </a:extLst>
-          </a:blip>
-          <a:stretch>
-            <a:fillRect/>
-          </a:stretch>
-        </p:blipFill>
-        <p:spPr>
-          <a:xfrm>
-            <a:off x="2441893" y="1417145"/>
-            <a:ext cx="7308213" cy="4023709"/>
-          </a:xfrm>
-          <a:prstGeom prst="rect">
-            <a:avLst/>
-          </a:prstGeom>
-        </p:spPr>
-      </p:pic>
     </p:spTree>
     <p:extLst>
       <p:ext uri="{BB962C8B-B14F-4D97-AF65-F5344CB8AC3E}">
@@ -10268,42 +10232,6 @@
           </a:p>
         </p:txBody>
       </p:sp>
-      <p:pic>
-        <p:nvPicPr>
-          <p:cNvPr id="5" name="Grafik 4">
-            <a:extLst>
-              <a:ext uri="{FF2B5EF4-FFF2-40B4-BE49-F238E27FC236}">
-                <a16:creationId xmlns:a16="http://schemas.microsoft.com/office/drawing/2014/main" id="{27E12D3A-AA3F-4403-B118-ACDB28EAB4F2}"/>
-              </a:ext>
-            </a:extLst>
-          </p:cNvPr>
-          <p:cNvPicPr>
-            <a:picLocks noChangeAspect="1"/>
-          </p:cNvPicPr>
-          <p:nvPr/>
-        </p:nvPicPr>
-        <p:blipFill>
-          <a:blip r:embed="rId3">
-            <a:extLst>
-              <a:ext uri="{28A0092B-C50C-407E-A947-70E740481C1C}">
-                <a14:useLocalDpi xmlns:a14="http://schemas.microsoft.com/office/drawing/2010/main" val="0"/>
-              </a:ext>
-            </a:extLst>
-          </a:blip>
-          <a:stretch>
-            <a:fillRect/>
-          </a:stretch>
-        </p:blipFill>
-        <p:spPr>
-          <a:xfrm>
-            <a:off x="2674323" y="902751"/>
-            <a:ext cx="6843353" cy="5052498"/>
-          </a:xfrm>
-          <a:prstGeom prst="rect">
-            <a:avLst/>
-          </a:prstGeom>
-        </p:spPr>
-      </p:pic>
     </p:spTree>
     <p:extLst>
       <p:ext uri="{BB962C8B-B14F-4D97-AF65-F5344CB8AC3E}">

--- a/Presentations/05.12.2019/05.12.2019.pptx
+++ b/Presentations/05.12.2019/05.12.2019.pptx
@@ -5,7 +5,7 @@
     <p:sldMasterId id="2147483660" r:id="rId1"/>
   </p:sldMasterIdLst>
   <p:notesMasterIdLst>
-    <p:notesMasterId r:id="rId10"/>
+    <p:notesMasterId r:id="rId9"/>
   </p:notesMasterIdLst>
   <p:sldIdLst>
     <p:sldId id="256" r:id="rId2"/>
@@ -13,9 +13,8 @@
     <p:sldId id="327" r:id="rId4"/>
     <p:sldId id="329" r:id="rId5"/>
     <p:sldId id="330" r:id="rId6"/>
-    <p:sldId id="328" r:id="rId7"/>
-    <p:sldId id="332" r:id="rId8"/>
-    <p:sldId id="333" r:id="rId9"/>
+    <p:sldId id="332" r:id="rId7"/>
+    <p:sldId id="333" r:id="rId8"/>
   </p:sldIdLst>
   <p:sldSz cx="12192000" cy="6858000"/>
   <p:notesSz cx="6858000" cy="9144000"/>
@@ -869,1287 +868,7 @@
 </dgm:colorsDef>
 </file>
 
-<file path=ppt/diagrams/colors2.xml><?xml version="1.0" encoding="utf-8"?>
-<dgm:colorsDef xmlns:dgm="http://schemas.openxmlformats.org/drawingml/2006/diagram" xmlns:a="http://schemas.openxmlformats.org/drawingml/2006/main" uniqueId="urn:microsoft.com/office/officeart/2005/8/colors/accent1_2">
-  <dgm:title val=""/>
-  <dgm:desc val=""/>
-  <dgm:catLst>
-    <dgm:cat type="accent1" pri="11200"/>
-  </dgm:catLst>
-  <dgm:styleLbl name="node0">
-    <dgm:fillClrLst meth="repeat">
-      <a:schemeClr val="accent1"/>
-    </dgm:fillClrLst>
-    <dgm:linClrLst meth="repeat">
-      <a:schemeClr val="lt1"/>
-    </dgm:linClrLst>
-    <dgm:effectClrLst/>
-    <dgm:txLinClrLst/>
-    <dgm:txFillClrLst/>
-    <dgm:txEffectClrLst/>
-  </dgm:styleLbl>
-  <dgm:styleLbl name="alignNode1">
-    <dgm:fillClrLst meth="repeat">
-      <a:schemeClr val="accent1"/>
-    </dgm:fillClrLst>
-    <dgm:linClrLst meth="repeat">
-      <a:schemeClr val="accent1"/>
-    </dgm:linClrLst>
-    <dgm:effectClrLst/>
-    <dgm:txLinClrLst/>
-    <dgm:txFillClrLst/>
-    <dgm:txEffectClrLst/>
-  </dgm:styleLbl>
-  <dgm:styleLbl name="node1">
-    <dgm:fillClrLst meth="repeat">
-      <a:schemeClr val="accent1"/>
-    </dgm:fillClrLst>
-    <dgm:linClrLst meth="repeat">
-      <a:schemeClr val="lt1"/>
-    </dgm:linClrLst>
-    <dgm:effectClrLst/>
-    <dgm:txLinClrLst/>
-    <dgm:txFillClrLst/>
-    <dgm:txEffectClrLst/>
-  </dgm:styleLbl>
-  <dgm:styleLbl name="lnNode1">
-    <dgm:fillClrLst meth="repeat">
-      <a:schemeClr val="accent1"/>
-    </dgm:fillClrLst>
-    <dgm:linClrLst meth="repeat">
-      <a:schemeClr val="lt1"/>
-    </dgm:linClrLst>
-    <dgm:effectClrLst/>
-    <dgm:txLinClrLst/>
-    <dgm:txFillClrLst/>
-    <dgm:txEffectClrLst/>
-  </dgm:styleLbl>
-  <dgm:styleLbl name="vennNode1">
-    <dgm:fillClrLst meth="repeat">
-      <a:schemeClr val="accent1">
-        <a:alpha val="50000"/>
-      </a:schemeClr>
-    </dgm:fillClrLst>
-    <dgm:linClrLst meth="repeat">
-      <a:schemeClr val="lt1"/>
-    </dgm:linClrLst>
-    <dgm:effectClrLst/>
-    <dgm:txLinClrLst/>
-    <dgm:txFillClrLst/>
-    <dgm:txEffectClrLst/>
-  </dgm:styleLbl>
-  <dgm:styleLbl name="node2">
-    <dgm:fillClrLst meth="repeat">
-      <a:schemeClr val="accent1"/>
-    </dgm:fillClrLst>
-    <dgm:linClrLst meth="repeat">
-      <a:schemeClr val="lt1"/>
-    </dgm:linClrLst>
-    <dgm:effectClrLst/>
-    <dgm:txLinClrLst/>
-    <dgm:txFillClrLst/>
-    <dgm:txEffectClrLst/>
-  </dgm:styleLbl>
-  <dgm:styleLbl name="node3">
-    <dgm:fillClrLst meth="repeat">
-      <a:schemeClr val="accent1"/>
-    </dgm:fillClrLst>
-    <dgm:linClrLst meth="repeat">
-      <a:schemeClr val="lt1"/>
-    </dgm:linClrLst>
-    <dgm:effectClrLst/>
-    <dgm:txLinClrLst/>
-    <dgm:txFillClrLst/>
-    <dgm:txEffectClrLst/>
-  </dgm:styleLbl>
-  <dgm:styleLbl name="node4">
-    <dgm:fillClrLst meth="repeat">
-      <a:schemeClr val="accent1"/>
-    </dgm:fillClrLst>
-    <dgm:linClrLst meth="repeat">
-      <a:schemeClr val="lt1"/>
-    </dgm:linClrLst>
-    <dgm:effectClrLst/>
-    <dgm:txLinClrLst/>
-    <dgm:txFillClrLst/>
-    <dgm:txEffectClrLst/>
-  </dgm:styleLbl>
-  <dgm:styleLbl name="fgImgPlace1">
-    <dgm:fillClrLst meth="repeat">
-      <a:schemeClr val="accent1">
-        <a:tint val="50000"/>
-      </a:schemeClr>
-    </dgm:fillClrLst>
-    <dgm:linClrLst meth="repeat">
-      <a:schemeClr val="lt1"/>
-    </dgm:linClrLst>
-    <dgm:effectClrLst/>
-    <dgm:txLinClrLst/>
-    <dgm:txFillClrLst meth="repeat">
-      <a:schemeClr val="lt1"/>
-    </dgm:txFillClrLst>
-    <dgm:txEffectClrLst/>
-  </dgm:styleLbl>
-  <dgm:styleLbl name="alignImgPlace1">
-    <dgm:fillClrLst meth="repeat">
-      <a:schemeClr val="accent1">
-        <a:tint val="50000"/>
-      </a:schemeClr>
-    </dgm:fillClrLst>
-    <dgm:linClrLst meth="repeat">
-      <a:schemeClr val="lt1"/>
-    </dgm:linClrLst>
-    <dgm:effectClrLst/>
-    <dgm:txLinClrLst/>
-    <dgm:txFillClrLst meth="repeat">
-      <a:schemeClr val="lt1"/>
-    </dgm:txFillClrLst>
-    <dgm:txEffectClrLst/>
-  </dgm:styleLbl>
-  <dgm:styleLbl name="bgImgPlace1">
-    <dgm:fillClrLst meth="repeat">
-      <a:schemeClr val="accent1">
-        <a:tint val="50000"/>
-      </a:schemeClr>
-    </dgm:fillClrLst>
-    <dgm:linClrLst meth="repeat">
-      <a:schemeClr val="lt1"/>
-    </dgm:linClrLst>
-    <dgm:effectClrLst/>
-    <dgm:txLinClrLst/>
-    <dgm:txFillClrLst meth="repeat">
-      <a:schemeClr val="lt1"/>
-    </dgm:txFillClrLst>
-    <dgm:txEffectClrLst/>
-  </dgm:styleLbl>
-  <dgm:styleLbl name="sibTrans2D1">
-    <dgm:fillClrLst meth="repeat">
-      <a:schemeClr val="accent1">
-        <a:tint val="60000"/>
-      </a:schemeClr>
-    </dgm:fillClrLst>
-    <dgm:linClrLst meth="repeat">
-      <a:schemeClr val="accent1">
-        <a:tint val="60000"/>
-      </a:schemeClr>
-    </dgm:linClrLst>
-    <dgm:effectClrLst/>
-    <dgm:txLinClrLst/>
-    <dgm:txFillClrLst/>
-    <dgm:txEffectClrLst/>
-  </dgm:styleLbl>
-  <dgm:styleLbl name="fgSibTrans2D1">
-    <dgm:fillClrLst meth="repeat">
-      <a:schemeClr val="accent1">
-        <a:tint val="60000"/>
-      </a:schemeClr>
-    </dgm:fillClrLst>
-    <dgm:linClrLst meth="repeat">
-      <a:schemeClr val="accent1">
-        <a:tint val="60000"/>
-      </a:schemeClr>
-    </dgm:linClrLst>
-    <dgm:effectClrLst/>
-    <dgm:txLinClrLst/>
-    <dgm:txFillClrLst/>
-    <dgm:txEffectClrLst/>
-  </dgm:styleLbl>
-  <dgm:styleLbl name="bgSibTrans2D1">
-    <dgm:fillClrLst meth="repeat">
-      <a:schemeClr val="accent1">
-        <a:tint val="60000"/>
-      </a:schemeClr>
-    </dgm:fillClrLst>
-    <dgm:linClrLst meth="repeat">
-      <a:schemeClr val="accent1">
-        <a:tint val="60000"/>
-      </a:schemeClr>
-    </dgm:linClrLst>
-    <dgm:effectClrLst/>
-    <dgm:txLinClrLst/>
-    <dgm:txFillClrLst/>
-    <dgm:txEffectClrLst/>
-  </dgm:styleLbl>
-  <dgm:styleLbl name="sibTrans1D1">
-    <dgm:fillClrLst meth="repeat">
-      <a:schemeClr val="accent1"/>
-    </dgm:fillClrLst>
-    <dgm:linClrLst meth="repeat">
-      <a:schemeClr val="accent1"/>
-    </dgm:linClrLst>
-    <dgm:effectClrLst/>
-    <dgm:txLinClrLst/>
-    <dgm:txFillClrLst meth="repeat">
-      <a:schemeClr val="tx1"/>
-    </dgm:txFillClrLst>
-    <dgm:txEffectClrLst/>
-  </dgm:styleLbl>
-  <dgm:styleLbl name="callout">
-    <dgm:fillClrLst meth="repeat">
-      <a:schemeClr val="accent1"/>
-    </dgm:fillClrLst>
-    <dgm:linClrLst meth="repeat">
-      <a:schemeClr val="accent1">
-        <a:tint val="50000"/>
-      </a:schemeClr>
-    </dgm:linClrLst>
-    <dgm:effectClrLst/>
-    <dgm:txLinClrLst/>
-    <dgm:txFillClrLst meth="repeat">
-      <a:schemeClr val="tx1"/>
-    </dgm:txFillClrLst>
-    <dgm:txEffectClrLst/>
-  </dgm:styleLbl>
-  <dgm:styleLbl name="asst0">
-    <dgm:fillClrLst meth="repeat">
-      <a:schemeClr val="accent1"/>
-    </dgm:fillClrLst>
-    <dgm:linClrLst meth="repeat">
-      <a:schemeClr val="lt1"/>
-    </dgm:linClrLst>
-    <dgm:effectClrLst/>
-    <dgm:txLinClrLst/>
-    <dgm:txFillClrLst/>
-    <dgm:txEffectClrLst/>
-  </dgm:styleLbl>
-  <dgm:styleLbl name="asst1">
-    <dgm:fillClrLst meth="repeat">
-      <a:schemeClr val="accent1"/>
-    </dgm:fillClrLst>
-    <dgm:linClrLst meth="repeat">
-      <a:schemeClr val="lt1"/>
-    </dgm:linClrLst>
-    <dgm:effectClrLst/>
-    <dgm:txLinClrLst/>
-    <dgm:txFillClrLst/>
-    <dgm:txEffectClrLst/>
-  </dgm:styleLbl>
-  <dgm:styleLbl name="asst2">
-    <dgm:fillClrLst meth="repeat">
-      <a:schemeClr val="accent1"/>
-    </dgm:fillClrLst>
-    <dgm:linClrLst meth="repeat">
-      <a:schemeClr val="lt1"/>
-    </dgm:linClrLst>
-    <dgm:effectClrLst/>
-    <dgm:txLinClrLst/>
-    <dgm:txFillClrLst/>
-    <dgm:txEffectClrLst/>
-  </dgm:styleLbl>
-  <dgm:styleLbl name="asst3">
-    <dgm:fillClrLst meth="repeat">
-      <a:schemeClr val="accent1"/>
-    </dgm:fillClrLst>
-    <dgm:linClrLst meth="repeat">
-      <a:schemeClr val="lt1"/>
-    </dgm:linClrLst>
-    <dgm:effectClrLst/>
-    <dgm:txLinClrLst/>
-    <dgm:txFillClrLst/>
-    <dgm:txEffectClrLst/>
-  </dgm:styleLbl>
-  <dgm:styleLbl name="asst4">
-    <dgm:fillClrLst meth="repeat">
-      <a:schemeClr val="accent1"/>
-    </dgm:fillClrLst>
-    <dgm:linClrLst meth="repeat">
-      <a:schemeClr val="lt1"/>
-    </dgm:linClrLst>
-    <dgm:effectClrLst/>
-    <dgm:txLinClrLst/>
-    <dgm:txFillClrLst/>
-    <dgm:txEffectClrLst/>
-  </dgm:styleLbl>
-  <dgm:styleLbl name="parChTrans2D1">
-    <dgm:fillClrLst meth="repeat">
-      <a:schemeClr val="accent1">
-        <a:tint val="60000"/>
-      </a:schemeClr>
-    </dgm:fillClrLst>
-    <dgm:linClrLst meth="repeat">
-      <a:schemeClr val="accent1">
-        <a:tint val="60000"/>
-      </a:schemeClr>
-    </dgm:linClrLst>
-    <dgm:effectClrLst/>
-    <dgm:txLinClrLst/>
-    <dgm:txFillClrLst meth="repeat">
-      <a:schemeClr val="lt1"/>
-    </dgm:txFillClrLst>
-    <dgm:txEffectClrLst/>
-  </dgm:styleLbl>
-  <dgm:styleLbl name="parChTrans2D2">
-    <dgm:fillClrLst meth="repeat">
-      <a:schemeClr val="accent1"/>
-    </dgm:fillClrLst>
-    <dgm:linClrLst meth="repeat">
-      <a:schemeClr val="accent1"/>
-    </dgm:linClrLst>
-    <dgm:effectClrLst/>
-    <dgm:txLinClrLst/>
-    <dgm:txFillClrLst meth="repeat">
-      <a:schemeClr val="lt1"/>
-    </dgm:txFillClrLst>
-    <dgm:txEffectClrLst/>
-  </dgm:styleLbl>
-  <dgm:styleLbl name="parChTrans2D3">
-    <dgm:fillClrLst meth="repeat">
-      <a:schemeClr val="accent1"/>
-    </dgm:fillClrLst>
-    <dgm:linClrLst meth="repeat">
-      <a:schemeClr val="accent1"/>
-    </dgm:linClrLst>
-    <dgm:effectClrLst/>
-    <dgm:txLinClrLst/>
-    <dgm:txFillClrLst meth="repeat">
-      <a:schemeClr val="lt1"/>
-    </dgm:txFillClrLst>
-    <dgm:txEffectClrLst/>
-  </dgm:styleLbl>
-  <dgm:styleLbl name="parChTrans2D4">
-    <dgm:fillClrLst meth="repeat">
-      <a:schemeClr val="accent1"/>
-    </dgm:fillClrLst>
-    <dgm:linClrLst meth="repeat">
-      <a:schemeClr val="accent1"/>
-    </dgm:linClrLst>
-    <dgm:effectClrLst/>
-    <dgm:txLinClrLst/>
-    <dgm:txFillClrLst meth="repeat">
-      <a:schemeClr val="lt1"/>
-    </dgm:txFillClrLst>
-    <dgm:txEffectClrLst/>
-  </dgm:styleLbl>
-  <dgm:styleLbl name="parChTrans1D1">
-    <dgm:fillClrLst meth="repeat">
-      <a:schemeClr val="accent1"/>
-    </dgm:fillClrLst>
-    <dgm:linClrLst meth="repeat">
-      <a:schemeClr val="accent1">
-        <a:shade val="60000"/>
-      </a:schemeClr>
-    </dgm:linClrLst>
-    <dgm:effectClrLst/>
-    <dgm:txLinClrLst/>
-    <dgm:txFillClrLst meth="repeat">
-      <a:schemeClr val="tx1"/>
-    </dgm:txFillClrLst>
-    <dgm:txEffectClrLst/>
-  </dgm:styleLbl>
-  <dgm:styleLbl name="parChTrans1D2">
-    <dgm:fillClrLst meth="repeat">
-      <a:schemeClr val="accent1"/>
-    </dgm:fillClrLst>
-    <dgm:linClrLst meth="repeat">
-      <a:schemeClr val="accent1">
-        <a:shade val="60000"/>
-      </a:schemeClr>
-    </dgm:linClrLst>
-    <dgm:effectClrLst/>
-    <dgm:txLinClrLst/>
-    <dgm:txFillClrLst meth="repeat">
-      <a:schemeClr val="tx1"/>
-    </dgm:txFillClrLst>
-    <dgm:txEffectClrLst/>
-  </dgm:styleLbl>
-  <dgm:styleLbl name="parChTrans1D3">
-    <dgm:fillClrLst meth="repeat">
-      <a:schemeClr val="accent1"/>
-    </dgm:fillClrLst>
-    <dgm:linClrLst meth="repeat">
-      <a:schemeClr val="accent1">
-        <a:shade val="80000"/>
-      </a:schemeClr>
-    </dgm:linClrLst>
-    <dgm:effectClrLst/>
-    <dgm:txLinClrLst/>
-    <dgm:txFillClrLst meth="repeat">
-      <a:schemeClr val="tx1"/>
-    </dgm:txFillClrLst>
-    <dgm:txEffectClrLst/>
-  </dgm:styleLbl>
-  <dgm:styleLbl name="parChTrans1D4">
-    <dgm:fillClrLst meth="repeat">
-      <a:schemeClr val="accent1"/>
-    </dgm:fillClrLst>
-    <dgm:linClrLst meth="repeat">
-      <a:schemeClr val="accent1">
-        <a:shade val="80000"/>
-      </a:schemeClr>
-    </dgm:linClrLst>
-    <dgm:effectClrLst/>
-    <dgm:txLinClrLst/>
-    <dgm:txFillClrLst meth="repeat">
-      <a:schemeClr val="tx1"/>
-    </dgm:txFillClrLst>
-    <dgm:txEffectClrLst/>
-  </dgm:styleLbl>
-  <dgm:styleLbl name="fgAcc1">
-    <dgm:fillClrLst meth="repeat">
-      <a:schemeClr val="lt1">
-        <a:alpha val="90000"/>
-      </a:schemeClr>
-    </dgm:fillClrLst>
-    <dgm:linClrLst meth="repeat">
-      <a:schemeClr val="accent1"/>
-    </dgm:linClrLst>
-    <dgm:effectClrLst/>
-    <dgm:txLinClrLst/>
-    <dgm:txFillClrLst meth="repeat">
-      <a:schemeClr val="dk1"/>
-    </dgm:txFillClrLst>
-    <dgm:txEffectClrLst/>
-  </dgm:styleLbl>
-  <dgm:styleLbl name="conFgAcc1">
-    <dgm:fillClrLst meth="repeat">
-      <a:schemeClr val="lt1">
-        <a:alpha val="90000"/>
-      </a:schemeClr>
-    </dgm:fillClrLst>
-    <dgm:linClrLst meth="repeat">
-      <a:schemeClr val="accent1"/>
-    </dgm:linClrLst>
-    <dgm:effectClrLst/>
-    <dgm:txLinClrLst/>
-    <dgm:txFillClrLst meth="repeat">
-      <a:schemeClr val="dk1"/>
-    </dgm:txFillClrLst>
-    <dgm:txEffectClrLst/>
-  </dgm:styleLbl>
-  <dgm:styleLbl name="alignAcc1">
-    <dgm:fillClrLst meth="repeat">
-      <a:schemeClr val="lt1">
-        <a:alpha val="90000"/>
-      </a:schemeClr>
-    </dgm:fillClrLst>
-    <dgm:linClrLst meth="repeat">
-      <a:schemeClr val="accent1"/>
-    </dgm:linClrLst>
-    <dgm:effectClrLst/>
-    <dgm:txLinClrLst/>
-    <dgm:txFillClrLst meth="repeat">
-      <a:schemeClr val="dk1"/>
-    </dgm:txFillClrLst>
-    <dgm:txEffectClrLst/>
-  </dgm:styleLbl>
-  <dgm:styleLbl name="trAlignAcc1">
-    <dgm:fillClrLst meth="repeat">
-      <a:schemeClr val="lt1">
-        <a:alpha val="40000"/>
-      </a:schemeClr>
-    </dgm:fillClrLst>
-    <dgm:linClrLst meth="repeat">
-      <a:schemeClr val="accent1"/>
-    </dgm:linClrLst>
-    <dgm:effectClrLst/>
-    <dgm:txLinClrLst/>
-    <dgm:txFillClrLst meth="repeat">
-      <a:schemeClr val="dk1"/>
-    </dgm:txFillClrLst>
-    <dgm:txEffectClrLst/>
-  </dgm:styleLbl>
-  <dgm:styleLbl name="bgAcc1">
-    <dgm:fillClrLst meth="repeat">
-      <a:schemeClr val="lt1">
-        <a:alpha val="90000"/>
-      </a:schemeClr>
-    </dgm:fillClrLst>
-    <dgm:linClrLst meth="repeat">
-      <a:schemeClr val="accent1"/>
-    </dgm:linClrLst>
-    <dgm:effectClrLst/>
-    <dgm:txLinClrLst/>
-    <dgm:txFillClrLst meth="repeat">
-      <a:schemeClr val="dk1"/>
-    </dgm:txFillClrLst>
-    <dgm:txEffectClrLst/>
-  </dgm:styleLbl>
-  <dgm:styleLbl name="solidFgAcc1">
-    <dgm:fillClrLst meth="repeat">
-      <a:schemeClr val="lt1"/>
-    </dgm:fillClrLst>
-    <dgm:linClrLst meth="repeat">
-      <a:schemeClr val="accent1"/>
-    </dgm:linClrLst>
-    <dgm:effectClrLst/>
-    <dgm:txLinClrLst/>
-    <dgm:txFillClrLst meth="repeat">
-      <a:schemeClr val="dk1"/>
-    </dgm:txFillClrLst>
-    <dgm:txEffectClrLst/>
-  </dgm:styleLbl>
-  <dgm:styleLbl name="solidAlignAcc1">
-    <dgm:fillClrLst meth="repeat">
-      <a:schemeClr val="lt1"/>
-    </dgm:fillClrLst>
-    <dgm:linClrLst meth="repeat">
-      <a:schemeClr val="accent1"/>
-    </dgm:linClrLst>
-    <dgm:effectClrLst/>
-    <dgm:txLinClrLst/>
-    <dgm:txFillClrLst meth="repeat">
-      <a:schemeClr val="dk1"/>
-    </dgm:txFillClrLst>
-    <dgm:txEffectClrLst/>
-  </dgm:styleLbl>
-  <dgm:styleLbl name="solidBgAcc1">
-    <dgm:fillClrLst meth="repeat">
-      <a:schemeClr val="lt1"/>
-    </dgm:fillClrLst>
-    <dgm:linClrLst meth="repeat">
-      <a:schemeClr val="accent1"/>
-    </dgm:linClrLst>
-    <dgm:effectClrLst/>
-    <dgm:txLinClrLst/>
-    <dgm:txFillClrLst meth="repeat">
-      <a:schemeClr val="dk1"/>
-    </dgm:txFillClrLst>
-    <dgm:txEffectClrLst/>
-  </dgm:styleLbl>
-  <dgm:styleLbl name="fgAccFollowNode1">
-    <dgm:fillClrLst meth="repeat">
-      <a:schemeClr val="accent1">
-        <a:alpha val="90000"/>
-        <a:tint val="40000"/>
-      </a:schemeClr>
-    </dgm:fillClrLst>
-    <dgm:linClrLst meth="repeat">
-      <a:schemeClr val="accent1">
-        <a:alpha val="90000"/>
-        <a:tint val="40000"/>
-      </a:schemeClr>
-    </dgm:linClrLst>
-    <dgm:effectClrLst/>
-    <dgm:txLinClrLst/>
-    <dgm:txFillClrLst meth="repeat">
-      <a:schemeClr val="dk1"/>
-    </dgm:txFillClrLst>
-    <dgm:txEffectClrLst/>
-  </dgm:styleLbl>
-  <dgm:styleLbl name="alignAccFollowNode1">
-    <dgm:fillClrLst meth="repeat">
-      <a:schemeClr val="accent1">
-        <a:alpha val="90000"/>
-        <a:tint val="40000"/>
-      </a:schemeClr>
-    </dgm:fillClrLst>
-    <dgm:linClrLst meth="repeat">
-      <a:schemeClr val="accent1">
-        <a:alpha val="90000"/>
-        <a:tint val="40000"/>
-      </a:schemeClr>
-    </dgm:linClrLst>
-    <dgm:effectClrLst/>
-    <dgm:txLinClrLst/>
-    <dgm:txFillClrLst meth="repeat">
-      <a:schemeClr val="dk1"/>
-    </dgm:txFillClrLst>
-    <dgm:txEffectClrLst/>
-  </dgm:styleLbl>
-  <dgm:styleLbl name="bgAccFollowNode1">
-    <dgm:fillClrLst meth="repeat">
-      <a:schemeClr val="accent1">
-        <a:alpha val="90000"/>
-        <a:tint val="40000"/>
-      </a:schemeClr>
-    </dgm:fillClrLst>
-    <dgm:linClrLst meth="repeat">
-      <a:schemeClr val="accent1">
-        <a:alpha val="90000"/>
-        <a:tint val="40000"/>
-      </a:schemeClr>
-    </dgm:linClrLst>
-    <dgm:effectClrLst/>
-    <dgm:txLinClrLst/>
-    <dgm:txFillClrLst meth="repeat">
-      <a:schemeClr val="dk1"/>
-    </dgm:txFillClrLst>
-    <dgm:txEffectClrLst/>
-  </dgm:styleLbl>
-  <dgm:styleLbl name="fgAcc0">
-    <dgm:fillClrLst meth="repeat">
-      <a:schemeClr val="lt1">
-        <a:alpha val="90000"/>
-      </a:schemeClr>
-    </dgm:fillClrLst>
-    <dgm:linClrLst meth="repeat">
-      <a:schemeClr val="accent1"/>
-    </dgm:linClrLst>
-    <dgm:effectClrLst/>
-    <dgm:txLinClrLst/>
-    <dgm:txFillClrLst meth="repeat">
-      <a:schemeClr val="dk1"/>
-    </dgm:txFillClrLst>
-    <dgm:txEffectClrLst/>
-  </dgm:styleLbl>
-  <dgm:styleLbl name="fgAcc2">
-    <dgm:fillClrLst meth="repeat">
-      <a:schemeClr val="lt1">
-        <a:alpha val="90000"/>
-      </a:schemeClr>
-    </dgm:fillClrLst>
-    <dgm:linClrLst meth="repeat">
-      <a:schemeClr val="accent1"/>
-    </dgm:linClrLst>
-    <dgm:effectClrLst/>
-    <dgm:txLinClrLst/>
-    <dgm:txFillClrLst meth="repeat">
-      <a:schemeClr val="dk1"/>
-    </dgm:txFillClrLst>
-    <dgm:txEffectClrLst/>
-  </dgm:styleLbl>
-  <dgm:styleLbl name="fgAcc3">
-    <dgm:fillClrLst meth="repeat">
-      <a:schemeClr val="lt1">
-        <a:alpha val="90000"/>
-      </a:schemeClr>
-    </dgm:fillClrLst>
-    <dgm:linClrLst meth="repeat">
-      <a:schemeClr val="accent1"/>
-    </dgm:linClrLst>
-    <dgm:effectClrLst/>
-    <dgm:txLinClrLst/>
-    <dgm:txFillClrLst meth="repeat">
-      <a:schemeClr val="dk1"/>
-    </dgm:txFillClrLst>
-    <dgm:txEffectClrLst/>
-  </dgm:styleLbl>
-  <dgm:styleLbl name="fgAcc4">
-    <dgm:fillClrLst meth="repeat">
-      <a:schemeClr val="lt1">
-        <a:alpha val="90000"/>
-      </a:schemeClr>
-    </dgm:fillClrLst>
-    <dgm:linClrLst meth="repeat">
-      <a:schemeClr val="accent1"/>
-    </dgm:linClrLst>
-    <dgm:effectClrLst/>
-    <dgm:txLinClrLst/>
-    <dgm:txFillClrLst meth="repeat">
-      <a:schemeClr val="dk1"/>
-    </dgm:txFillClrLst>
-    <dgm:txEffectClrLst/>
-  </dgm:styleLbl>
-  <dgm:styleLbl name="bgShp">
-    <dgm:fillClrLst meth="repeat">
-      <a:schemeClr val="accent1">
-        <a:tint val="40000"/>
-      </a:schemeClr>
-    </dgm:fillClrLst>
-    <dgm:linClrLst meth="repeat">
-      <a:schemeClr val="accent1"/>
-    </dgm:linClrLst>
-    <dgm:effectClrLst/>
-    <dgm:txLinClrLst/>
-    <dgm:txFillClrLst meth="repeat">
-      <a:schemeClr val="dk1"/>
-    </dgm:txFillClrLst>
-    <dgm:txEffectClrLst/>
-  </dgm:styleLbl>
-  <dgm:styleLbl name="dkBgShp">
-    <dgm:fillClrLst meth="repeat">
-      <a:schemeClr val="accent1">
-        <a:shade val="80000"/>
-      </a:schemeClr>
-    </dgm:fillClrLst>
-    <dgm:linClrLst meth="repeat">
-      <a:schemeClr val="accent1"/>
-    </dgm:linClrLst>
-    <dgm:effectClrLst/>
-    <dgm:txLinClrLst/>
-    <dgm:txFillClrLst meth="repeat">
-      <a:schemeClr val="lt1"/>
-    </dgm:txFillClrLst>
-    <dgm:txEffectClrLst/>
-  </dgm:styleLbl>
-  <dgm:styleLbl name="trBgShp">
-    <dgm:fillClrLst meth="repeat">
-      <a:schemeClr val="accent1">
-        <a:tint val="50000"/>
-        <a:alpha val="40000"/>
-      </a:schemeClr>
-    </dgm:fillClrLst>
-    <dgm:linClrLst meth="repeat">
-      <a:schemeClr val="accent1"/>
-    </dgm:linClrLst>
-    <dgm:effectClrLst/>
-    <dgm:txLinClrLst/>
-    <dgm:txFillClrLst meth="repeat">
-      <a:schemeClr val="lt1"/>
-    </dgm:txFillClrLst>
-    <dgm:txEffectClrLst/>
-  </dgm:styleLbl>
-  <dgm:styleLbl name="fgShp">
-    <dgm:fillClrLst meth="repeat">
-      <a:schemeClr val="accent1">
-        <a:tint val="60000"/>
-      </a:schemeClr>
-    </dgm:fillClrLst>
-    <dgm:linClrLst meth="repeat">
-      <a:schemeClr val="lt1"/>
-    </dgm:linClrLst>
-    <dgm:effectClrLst/>
-    <dgm:txLinClrLst/>
-    <dgm:txFillClrLst meth="repeat">
-      <a:schemeClr val="dk1"/>
-    </dgm:txFillClrLst>
-    <dgm:txEffectClrLst/>
-  </dgm:styleLbl>
-  <dgm:styleLbl name="revTx">
-    <dgm:fillClrLst meth="repeat">
-      <a:schemeClr val="lt1">
-        <a:alpha val="0"/>
-      </a:schemeClr>
-    </dgm:fillClrLst>
-    <dgm:linClrLst meth="repeat">
-      <a:schemeClr val="dk1">
-        <a:alpha val="0"/>
-      </a:schemeClr>
-    </dgm:linClrLst>
-    <dgm:effectClrLst/>
-    <dgm:txLinClrLst/>
-    <dgm:txFillClrLst meth="repeat">
-      <a:schemeClr val="tx1"/>
-    </dgm:txFillClrLst>
-    <dgm:txEffectClrLst/>
-  </dgm:styleLbl>
-</dgm:colorsDef>
-</file>
-
 <file path=ppt/diagrams/data1.xml><?xml version="1.0" encoding="utf-8"?>
-<dgm:dataModel xmlns:dgm="http://schemas.openxmlformats.org/drawingml/2006/diagram" xmlns:a="http://schemas.openxmlformats.org/drawingml/2006/main">
-  <dgm:ptLst>
-    <dgm:pt modelId="{3E5649EE-1221-452D-8CA9-DE3FAFAF84D1}" type="doc">
-      <dgm:prSet loTypeId="urn:microsoft.com/office/officeart/2005/8/layout/hProcess11" loCatId="process" qsTypeId="urn:microsoft.com/office/officeart/2005/8/quickstyle/simple1" qsCatId="simple" csTypeId="urn:microsoft.com/office/officeart/2005/8/colors/accent1_2" csCatId="accent1" phldr="1"/>
-      <dgm:spPr/>
-    </dgm:pt>
-    <dgm:pt modelId="{17E5EE6B-58B3-4578-9613-6A0856A1FED7}">
-      <dgm:prSet phldrT="[Text]" custT="1"/>
-      <dgm:spPr/>
-      <dgm:t>
-        <a:bodyPr/>
-        <a:lstStyle/>
-        <a:p>
-          <a:pPr>
-            <a:spcAft>
-              <a:spcPts val="0"/>
-            </a:spcAft>
-          </a:pPr>
-          <a:r>
-            <a:rPr lang="en-US" sz="1800" dirty="0"/>
-            <a:t>Camera setup</a:t>
-          </a:r>
-        </a:p>
-        <a:p>
-          <a:pPr>
-            <a:spcAft>
-              <a:spcPts val="0"/>
-            </a:spcAft>
-          </a:pPr>
-          <a:r>
-            <a:rPr lang="en-US" sz="1800" dirty="0"/>
-            <a:t>10.2019</a:t>
-          </a:r>
-        </a:p>
-      </dgm:t>
-    </dgm:pt>
-    <dgm:pt modelId="{64A2F253-745F-49B2-A954-8AEBD2022463}" type="parTrans" cxnId="{4AB4CBA5-4117-4447-88F2-FD37C21AFDE1}">
-      <dgm:prSet/>
-      <dgm:spPr/>
-      <dgm:t>
-        <a:bodyPr/>
-        <a:lstStyle/>
-        <a:p>
-          <a:endParaRPr lang="en-US"/>
-        </a:p>
-      </dgm:t>
-    </dgm:pt>
-    <dgm:pt modelId="{615276C9-F89D-4124-B2EF-23F2EB2F927B}" type="sibTrans" cxnId="{4AB4CBA5-4117-4447-88F2-FD37C21AFDE1}">
-      <dgm:prSet/>
-      <dgm:spPr/>
-      <dgm:t>
-        <a:bodyPr/>
-        <a:lstStyle/>
-        <a:p>
-          <a:endParaRPr lang="en-US"/>
-        </a:p>
-      </dgm:t>
-    </dgm:pt>
-    <dgm:pt modelId="{BBB6606C-96BB-4D5B-A982-C4D912A303FE}">
-      <dgm:prSet phldrT="[Text]" custT="1"/>
-      <dgm:spPr/>
-      <dgm:t>
-        <a:bodyPr/>
-        <a:lstStyle/>
-        <a:p>
-          <a:pPr>
-            <a:spcAft>
-              <a:spcPts val="0"/>
-            </a:spcAft>
-          </a:pPr>
-          <a:r>
-            <a:rPr lang="en-US" sz="1800" dirty="0"/>
-            <a:t>Preprocessing</a:t>
-          </a:r>
-        </a:p>
-        <a:p>
-          <a:pPr>
-            <a:spcAft>
-              <a:spcPts val="0"/>
-            </a:spcAft>
-          </a:pPr>
-          <a:r>
-            <a:rPr lang="en-US" sz="1800" dirty="0"/>
-            <a:t>10.2019</a:t>
-          </a:r>
-        </a:p>
-      </dgm:t>
-    </dgm:pt>
-    <dgm:pt modelId="{D7C1B061-4E8D-4D62-978B-7A49D454177A}" type="parTrans" cxnId="{58A589BC-B147-41C6-88F5-0A752BCE800E}">
-      <dgm:prSet/>
-      <dgm:spPr/>
-      <dgm:t>
-        <a:bodyPr/>
-        <a:lstStyle/>
-        <a:p>
-          <a:endParaRPr lang="en-US"/>
-        </a:p>
-      </dgm:t>
-    </dgm:pt>
-    <dgm:pt modelId="{20933320-95DB-44B6-AD2E-AEF11290206F}" type="sibTrans" cxnId="{58A589BC-B147-41C6-88F5-0A752BCE800E}">
-      <dgm:prSet/>
-      <dgm:spPr/>
-      <dgm:t>
-        <a:bodyPr/>
-        <a:lstStyle/>
-        <a:p>
-          <a:endParaRPr lang="en-US"/>
-        </a:p>
-      </dgm:t>
-    </dgm:pt>
-    <dgm:pt modelId="{0C126C06-5E8E-4F73-9448-82DEEF4F823F}">
-      <dgm:prSet phldrT="[Text]" custT="1"/>
-      <dgm:spPr/>
-      <dgm:t>
-        <a:bodyPr/>
-        <a:lstStyle/>
-        <a:p>
-          <a:pPr>
-            <a:spcAft>
-              <a:spcPts val="0"/>
-            </a:spcAft>
-          </a:pPr>
-          <a:r>
-            <a:rPr lang="en-US" sz="1800" dirty="0"/>
-            <a:t>Volumetric Fusion and Blending</a:t>
-          </a:r>
-        </a:p>
-        <a:p>
-          <a:pPr>
-            <a:spcAft>
-              <a:spcPts val="0"/>
-            </a:spcAft>
-          </a:pPr>
-          <a:r>
-            <a:rPr lang="en-US" sz="1800" dirty="0"/>
-            <a:t>12.2019</a:t>
-          </a:r>
-        </a:p>
-      </dgm:t>
-    </dgm:pt>
-    <dgm:pt modelId="{3F545E21-EC19-4E4A-8CF5-EA35857586E9}" type="parTrans" cxnId="{B330CCEC-705D-447E-843F-1EE848768C93}">
-      <dgm:prSet/>
-      <dgm:spPr/>
-      <dgm:t>
-        <a:bodyPr/>
-        <a:lstStyle/>
-        <a:p>
-          <a:endParaRPr lang="en-US"/>
-        </a:p>
-      </dgm:t>
-    </dgm:pt>
-    <dgm:pt modelId="{4ED0B700-E702-4F4A-9757-AB008184F463}" type="sibTrans" cxnId="{B330CCEC-705D-447E-843F-1EE848768C93}">
-      <dgm:prSet/>
-      <dgm:spPr/>
-      <dgm:t>
-        <a:bodyPr/>
-        <a:lstStyle/>
-        <a:p>
-          <a:endParaRPr lang="en-US"/>
-        </a:p>
-      </dgm:t>
-    </dgm:pt>
-    <dgm:pt modelId="{15167219-6307-4E28-8559-8D968C46DEE7}">
-      <dgm:prSet phldrT="[Text]" custT="1"/>
-      <dgm:spPr/>
-      <dgm:t>
-        <a:bodyPr/>
-        <a:lstStyle/>
-        <a:p>
-          <a:pPr>
-            <a:spcAft>
-              <a:spcPts val="0"/>
-            </a:spcAft>
-          </a:pPr>
-          <a:r>
-            <a:rPr lang="en-US" sz="1800" dirty="0"/>
-            <a:t>Optimization</a:t>
-          </a:r>
-        </a:p>
-        <a:p>
-          <a:pPr>
-            <a:spcAft>
-              <a:spcPts val="0"/>
-            </a:spcAft>
-          </a:pPr>
-          <a:r>
-            <a:rPr lang="en-US" sz="1800" dirty="0"/>
-            <a:t>01.2020</a:t>
-          </a:r>
-        </a:p>
-      </dgm:t>
-    </dgm:pt>
-    <dgm:pt modelId="{CFCFA8EA-41FB-4C58-BA2A-E863B2B62BD8}" type="parTrans" cxnId="{A66A0AA4-A0C7-4250-944F-5316F2529CF0}">
-      <dgm:prSet/>
-      <dgm:spPr/>
-      <dgm:t>
-        <a:bodyPr/>
-        <a:lstStyle/>
-        <a:p>
-          <a:endParaRPr lang="en-US"/>
-        </a:p>
-      </dgm:t>
-    </dgm:pt>
-    <dgm:pt modelId="{976BE315-8169-49C6-9114-B9426AEE8CD5}" type="sibTrans" cxnId="{A66A0AA4-A0C7-4250-944F-5316F2529CF0}">
-      <dgm:prSet/>
-      <dgm:spPr/>
-      <dgm:t>
-        <a:bodyPr/>
-        <a:lstStyle/>
-        <a:p>
-          <a:endParaRPr lang="en-US"/>
-        </a:p>
-      </dgm:t>
-    </dgm:pt>
-    <dgm:pt modelId="{B189F042-2E30-4E4F-9D5E-1CD973C394B7}">
-      <dgm:prSet phldrT="[Text]" custT="1"/>
-      <dgm:spPr/>
-      <dgm:t>
-        <a:bodyPr/>
-        <a:lstStyle/>
-        <a:p>
-          <a:pPr>
-            <a:spcAft>
-              <a:spcPts val="0"/>
-            </a:spcAft>
-          </a:pPr>
-          <a:r>
-            <a:rPr lang="en-US" sz="1800" dirty="0"/>
-            <a:t>Non-rigid Tracking</a:t>
-          </a:r>
-        </a:p>
-        <a:p>
-          <a:pPr>
-            <a:spcAft>
-              <a:spcPts val="0"/>
-            </a:spcAft>
-          </a:pPr>
-          <a:r>
-            <a:rPr lang="en-US" sz="1800" dirty="0"/>
-            <a:t>01.2020</a:t>
-          </a:r>
-        </a:p>
-      </dgm:t>
-    </dgm:pt>
-    <dgm:pt modelId="{3855448F-B4DB-45FA-A786-877B2994D8E7}" type="parTrans" cxnId="{6A2BFCBC-8B23-4406-9040-511B67321711}">
-      <dgm:prSet/>
-      <dgm:spPr/>
-      <dgm:t>
-        <a:bodyPr/>
-        <a:lstStyle/>
-        <a:p>
-          <a:endParaRPr lang="en-US"/>
-        </a:p>
-      </dgm:t>
-    </dgm:pt>
-    <dgm:pt modelId="{E30892F8-7B2F-4398-A3A9-362FAEAD1F30}" type="sibTrans" cxnId="{6A2BFCBC-8B23-4406-9040-511B67321711}">
-      <dgm:prSet/>
-      <dgm:spPr/>
-      <dgm:t>
-        <a:bodyPr/>
-        <a:lstStyle/>
-        <a:p>
-          <a:endParaRPr lang="en-US"/>
-        </a:p>
-      </dgm:t>
-    </dgm:pt>
-    <dgm:pt modelId="{47BA4AA7-3B02-425D-A727-98CDABD549AF}">
-      <dgm:prSet phldrT="[Text]" custT="1"/>
-      <dgm:spPr/>
-      <dgm:t>
-        <a:bodyPr/>
-        <a:lstStyle/>
-        <a:p>
-          <a:pPr>
-            <a:spcAft>
-              <a:spcPts val="0"/>
-            </a:spcAft>
-          </a:pPr>
-          <a:r>
-            <a:rPr lang="en-US" sz="2000" b="1" dirty="0"/>
-            <a:t>Camera calibration</a:t>
-          </a:r>
-        </a:p>
-        <a:p>
-          <a:pPr>
-            <a:spcAft>
-              <a:spcPts val="0"/>
-            </a:spcAft>
-          </a:pPr>
-          <a:r>
-            <a:rPr lang="en-US" sz="2000" b="1" dirty="0"/>
-            <a:t>Most of 11.2019</a:t>
-          </a:r>
-        </a:p>
-      </dgm:t>
-    </dgm:pt>
-    <dgm:pt modelId="{51476924-D958-435C-9A16-E0996621A805}" type="parTrans" cxnId="{47DFC160-3205-4056-9549-5822E4DC4993}">
-      <dgm:prSet/>
-      <dgm:spPr/>
-      <dgm:t>
-        <a:bodyPr/>
-        <a:lstStyle/>
-        <a:p>
-          <a:endParaRPr lang="de-DE"/>
-        </a:p>
-      </dgm:t>
-    </dgm:pt>
-    <dgm:pt modelId="{E2FB20CD-65D2-4D5E-9B79-102F491B91AE}" type="sibTrans" cxnId="{47DFC160-3205-4056-9549-5822E4DC4993}">
-      <dgm:prSet/>
-      <dgm:spPr/>
-      <dgm:t>
-        <a:bodyPr/>
-        <a:lstStyle/>
-        <a:p>
-          <a:endParaRPr lang="de-DE"/>
-        </a:p>
-      </dgm:t>
-    </dgm:pt>
-    <dgm:pt modelId="{F47C4ECC-683F-43F4-97E8-D87C49B0B302}" type="pres">
-      <dgm:prSet presAssocID="{3E5649EE-1221-452D-8CA9-DE3FAFAF84D1}" presName="Name0" presStyleCnt="0">
-        <dgm:presLayoutVars>
-          <dgm:dir/>
-          <dgm:resizeHandles val="exact"/>
-        </dgm:presLayoutVars>
-      </dgm:prSet>
-      <dgm:spPr/>
-    </dgm:pt>
-    <dgm:pt modelId="{70396C6C-835C-47FF-AE4E-83B47C61D9B4}" type="pres">
-      <dgm:prSet presAssocID="{3E5649EE-1221-452D-8CA9-DE3FAFAF84D1}" presName="arrow" presStyleLbl="bgShp" presStyleIdx="0" presStyleCnt="1"/>
-      <dgm:spPr/>
-    </dgm:pt>
-    <dgm:pt modelId="{C1A3CBDA-D537-4653-AD17-09CC5B5382C9}" type="pres">
-      <dgm:prSet presAssocID="{3E5649EE-1221-452D-8CA9-DE3FAFAF84D1}" presName="points" presStyleCnt="0"/>
-      <dgm:spPr/>
-    </dgm:pt>
-    <dgm:pt modelId="{7E17694A-A1B8-48D8-AC8F-C54D2CEB17AF}" type="pres">
-      <dgm:prSet presAssocID="{17E5EE6B-58B3-4578-9613-6A0856A1FED7}" presName="compositeA" presStyleCnt="0"/>
-      <dgm:spPr/>
-    </dgm:pt>
-    <dgm:pt modelId="{4A89F01D-CD83-4E99-B1B1-673908BCA28A}" type="pres">
-      <dgm:prSet presAssocID="{17E5EE6B-58B3-4578-9613-6A0856A1FED7}" presName="textA" presStyleLbl="revTx" presStyleIdx="0" presStyleCnt="6">
-        <dgm:presLayoutVars>
-          <dgm:bulletEnabled val="1"/>
-        </dgm:presLayoutVars>
-      </dgm:prSet>
-      <dgm:spPr/>
-    </dgm:pt>
-    <dgm:pt modelId="{A340AB25-CEC5-456A-A27A-36F24985A060}" type="pres">
-      <dgm:prSet presAssocID="{17E5EE6B-58B3-4578-9613-6A0856A1FED7}" presName="circleA" presStyleLbl="node1" presStyleIdx="0" presStyleCnt="6"/>
-      <dgm:spPr/>
-    </dgm:pt>
-    <dgm:pt modelId="{F2A6E087-803C-4C0F-B2CD-1968278C1EB8}" type="pres">
-      <dgm:prSet presAssocID="{17E5EE6B-58B3-4578-9613-6A0856A1FED7}" presName="spaceA" presStyleCnt="0"/>
-      <dgm:spPr/>
-    </dgm:pt>
-    <dgm:pt modelId="{65B29247-5BC0-43C3-A59C-9A7B66C51824}" type="pres">
-      <dgm:prSet presAssocID="{615276C9-F89D-4124-B2EF-23F2EB2F927B}" presName="space" presStyleCnt="0"/>
-      <dgm:spPr/>
-    </dgm:pt>
-    <dgm:pt modelId="{81702E42-9036-421D-A882-B64AA2B22895}" type="pres">
-      <dgm:prSet presAssocID="{BBB6606C-96BB-4D5B-A982-C4D912A303FE}" presName="compositeB" presStyleCnt="0"/>
-      <dgm:spPr/>
-    </dgm:pt>
-    <dgm:pt modelId="{FC057933-AB4A-4EFA-B3AD-C0CC26EB37E5}" type="pres">
-      <dgm:prSet presAssocID="{BBB6606C-96BB-4D5B-A982-C4D912A303FE}" presName="textB" presStyleLbl="revTx" presStyleIdx="1" presStyleCnt="6">
-        <dgm:presLayoutVars>
-          <dgm:bulletEnabled val="1"/>
-        </dgm:presLayoutVars>
-      </dgm:prSet>
-      <dgm:spPr/>
-    </dgm:pt>
-    <dgm:pt modelId="{2A658599-2697-4826-A999-C85478CB0A70}" type="pres">
-      <dgm:prSet presAssocID="{BBB6606C-96BB-4D5B-A982-C4D912A303FE}" presName="circleB" presStyleLbl="node1" presStyleIdx="1" presStyleCnt="6"/>
-      <dgm:spPr/>
-    </dgm:pt>
-    <dgm:pt modelId="{69BE6D44-E708-4329-B88A-00CF17CC437A}" type="pres">
-      <dgm:prSet presAssocID="{BBB6606C-96BB-4D5B-A982-C4D912A303FE}" presName="spaceB" presStyleCnt="0"/>
-      <dgm:spPr/>
-    </dgm:pt>
-    <dgm:pt modelId="{03A1F047-AD8C-413E-9C04-2360126D49D1}" type="pres">
-      <dgm:prSet presAssocID="{20933320-95DB-44B6-AD2E-AEF11290206F}" presName="space" presStyleCnt="0"/>
-      <dgm:spPr/>
-    </dgm:pt>
-    <dgm:pt modelId="{FFE85F9F-5726-412A-85C4-D6076D290EA6}" type="pres">
-      <dgm:prSet presAssocID="{47BA4AA7-3B02-425D-A727-98CDABD549AF}" presName="compositeA" presStyleCnt="0"/>
-      <dgm:spPr/>
-    </dgm:pt>
-    <dgm:pt modelId="{3735D615-01F0-47BF-8453-6EA220B9C4FF}" type="pres">
-      <dgm:prSet presAssocID="{47BA4AA7-3B02-425D-A727-98CDABD549AF}" presName="textA" presStyleLbl="revTx" presStyleIdx="2" presStyleCnt="6">
-        <dgm:presLayoutVars>
-          <dgm:bulletEnabled val="1"/>
-        </dgm:presLayoutVars>
-      </dgm:prSet>
-      <dgm:spPr/>
-    </dgm:pt>
-    <dgm:pt modelId="{AB4304A3-8CB6-470E-88D9-02A80E831EAF}" type="pres">
-      <dgm:prSet presAssocID="{47BA4AA7-3B02-425D-A727-98CDABD549AF}" presName="circleA" presStyleLbl="node1" presStyleIdx="2" presStyleCnt="6"/>
-      <dgm:spPr/>
-    </dgm:pt>
-    <dgm:pt modelId="{9E7450E4-AABF-453F-A585-58989C52E3E6}" type="pres">
-      <dgm:prSet presAssocID="{47BA4AA7-3B02-425D-A727-98CDABD549AF}" presName="spaceA" presStyleCnt="0"/>
-      <dgm:spPr/>
-    </dgm:pt>
-    <dgm:pt modelId="{A526E843-4497-46C9-BA34-AAB4DC8C4C2B}" type="pres">
-      <dgm:prSet presAssocID="{E2FB20CD-65D2-4D5E-9B79-102F491B91AE}" presName="space" presStyleCnt="0"/>
-      <dgm:spPr/>
-    </dgm:pt>
-    <dgm:pt modelId="{932333F6-0BCD-4253-94CA-4CEDF400D41C}" type="pres">
-      <dgm:prSet presAssocID="{0C126C06-5E8E-4F73-9448-82DEEF4F823F}" presName="compositeB" presStyleCnt="0"/>
-      <dgm:spPr/>
-    </dgm:pt>
-    <dgm:pt modelId="{F580EDF2-24B8-4704-BC04-D9978DDAFC1A}" type="pres">
-      <dgm:prSet presAssocID="{0C126C06-5E8E-4F73-9448-82DEEF4F823F}" presName="textB" presStyleLbl="revTx" presStyleIdx="3" presStyleCnt="6">
-        <dgm:presLayoutVars>
-          <dgm:bulletEnabled val="1"/>
-        </dgm:presLayoutVars>
-      </dgm:prSet>
-      <dgm:spPr/>
-    </dgm:pt>
-    <dgm:pt modelId="{21980DAF-8E68-4F23-95DA-69E9168E37AB}" type="pres">
-      <dgm:prSet presAssocID="{0C126C06-5E8E-4F73-9448-82DEEF4F823F}" presName="circleB" presStyleLbl="node1" presStyleIdx="3" presStyleCnt="6"/>
-      <dgm:spPr/>
-    </dgm:pt>
-    <dgm:pt modelId="{3DE82FCB-C8B5-4582-9B4A-7FCC7E856130}" type="pres">
-      <dgm:prSet presAssocID="{0C126C06-5E8E-4F73-9448-82DEEF4F823F}" presName="spaceB" presStyleCnt="0"/>
-      <dgm:spPr/>
-    </dgm:pt>
-    <dgm:pt modelId="{FA2623B0-7880-4C19-89DD-0D0F15220D38}" type="pres">
-      <dgm:prSet presAssocID="{4ED0B700-E702-4F4A-9757-AB008184F463}" presName="space" presStyleCnt="0"/>
-      <dgm:spPr/>
-    </dgm:pt>
-    <dgm:pt modelId="{C9E34BA7-92F7-4521-9493-9A365BE95764}" type="pres">
-      <dgm:prSet presAssocID="{B189F042-2E30-4E4F-9D5E-1CD973C394B7}" presName="compositeA" presStyleCnt="0"/>
-      <dgm:spPr/>
-    </dgm:pt>
-    <dgm:pt modelId="{33B3B84C-CD82-4367-A017-1FE2EDF5A33B}" type="pres">
-      <dgm:prSet presAssocID="{B189F042-2E30-4E4F-9D5E-1CD973C394B7}" presName="textA" presStyleLbl="revTx" presStyleIdx="4" presStyleCnt="6">
-        <dgm:presLayoutVars>
-          <dgm:bulletEnabled val="1"/>
-        </dgm:presLayoutVars>
-      </dgm:prSet>
-      <dgm:spPr/>
-    </dgm:pt>
-    <dgm:pt modelId="{2ED647EA-6AEE-4AFD-AE84-C6D3E9DA24AC}" type="pres">
-      <dgm:prSet presAssocID="{B189F042-2E30-4E4F-9D5E-1CD973C394B7}" presName="circleA" presStyleLbl="node1" presStyleIdx="4" presStyleCnt="6"/>
-      <dgm:spPr/>
-    </dgm:pt>
-    <dgm:pt modelId="{D626269E-B816-465E-ADA7-5239B6D30EA2}" type="pres">
-      <dgm:prSet presAssocID="{B189F042-2E30-4E4F-9D5E-1CD973C394B7}" presName="spaceA" presStyleCnt="0"/>
-      <dgm:spPr/>
-    </dgm:pt>
-    <dgm:pt modelId="{62C3E6EF-0136-4C48-BBA2-B4957F29B436}" type="pres">
-      <dgm:prSet presAssocID="{E30892F8-7B2F-4398-A3A9-362FAEAD1F30}" presName="space" presStyleCnt="0"/>
-      <dgm:spPr/>
-    </dgm:pt>
-    <dgm:pt modelId="{8900855F-CAF8-4165-B8C6-A5A4E1A8E831}" type="pres">
-      <dgm:prSet presAssocID="{15167219-6307-4E28-8559-8D968C46DEE7}" presName="compositeB" presStyleCnt="0"/>
-      <dgm:spPr/>
-    </dgm:pt>
-    <dgm:pt modelId="{B13C39C8-E8DE-4D16-824B-19BCA52A63C4}" type="pres">
-      <dgm:prSet presAssocID="{15167219-6307-4E28-8559-8D968C46DEE7}" presName="textB" presStyleLbl="revTx" presStyleIdx="5" presStyleCnt="6">
-        <dgm:presLayoutVars>
-          <dgm:bulletEnabled val="1"/>
-        </dgm:presLayoutVars>
-      </dgm:prSet>
-      <dgm:spPr/>
-    </dgm:pt>
-    <dgm:pt modelId="{6E76BAEB-1F99-477C-A851-CED92BC61AEF}" type="pres">
-      <dgm:prSet presAssocID="{15167219-6307-4E28-8559-8D968C46DEE7}" presName="circleB" presStyleLbl="node1" presStyleIdx="5" presStyleCnt="6"/>
-      <dgm:spPr/>
-    </dgm:pt>
-    <dgm:pt modelId="{C89E3D04-5BEC-46A4-BEB6-DAD4CD61EF9A}" type="pres">
-      <dgm:prSet presAssocID="{15167219-6307-4E28-8559-8D968C46DEE7}" presName="spaceB" presStyleCnt="0"/>
-      <dgm:spPr/>
-    </dgm:pt>
-  </dgm:ptLst>
-  <dgm:cxnLst>
-    <dgm:cxn modelId="{09B44503-7E5E-4CC1-BDBA-BEFB581F0A22}" type="presOf" srcId="{17E5EE6B-58B3-4578-9613-6A0856A1FED7}" destId="{4A89F01D-CD83-4E99-B1B1-673908BCA28A}" srcOrd="0" destOrd="0" presId="urn:microsoft.com/office/officeart/2005/8/layout/hProcess11"/>
-    <dgm:cxn modelId="{11C7E204-4879-4DA3-9F83-91150DC2511B}" type="presOf" srcId="{47BA4AA7-3B02-425D-A727-98CDABD549AF}" destId="{3735D615-01F0-47BF-8453-6EA220B9C4FF}" srcOrd="0" destOrd="0" presId="urn:microsoft.com/office/officeart/2005/8/layout/hProcess11"/>
-    <dgm:cxn modelId="{F2F2D75F-0DAF-440A-A54D-0C589FDC7773}" type="presOf" srcId="{15167219-6307-4E28-8559-8D968C46DEE7}" destId="{B13C39C8-E8DE-4D16-824B-19BCA52A63C4}" srcOrd="0" destOrd="0" presId="urn:microsoft.com/office/officeart/2005/8/layout/hProcess11"/>
-    <dgm:cxn modelId="{47DFC160-3205-4056-9549-5822E4DC4993}" srcId="{3E5649EE-1221-452D-8CA9-DE3FAFAF84D1}" destId="{47BA4AA7-3B02-425D-A727-98CDABD549AF}" srcOrd="2" destOrd="0" parTransId="{51476924-D958-435C-9A16-E0996621A805}" sibTransId="{E2FB20CD-65D2-4D5E-9B79-102F491B91AE}"/>
-    <dgm:cxn modelId="{4F3B6671-0A88-4406-AFB9-0FF9E45E0603}" type="presOf" srcId="{B189F042-2E30-4E4F-9D5E-1CD973C394B7}" destId="{33B3B84C-CD82-4367-A017-1FE2EDF5A33B}" srcOrd="0" destOrd="0" presId="urn:microsoft.com/office/officeart/2005/8/layout/hProcess11"/>
-    <dgm:cxn modelId="{A66A0AA4-A0C7-4250-944F-5316F2529CF0}" srcId="{3E5649EE-1221-452D-8CA9-DE3FAFAF84D1}" destId="{15167219-6307-4E28-8559-8D968C46DEE7}" srcOrd="5" destOrd="0" parTransId="{CFCFA8EA-41FB-4C58-BA2A-E863B2B62BD8}" sibTransId="{976BE315-8169-49C6-9114-B9426AEE8CD5}"/>
-    <dgm:cxn modelId="{4AB4CBA5-4117-4447-88F2-FD37C21AFDE1}" srcId="{3E5649EE-1221-452D-8CA9-DE3FAFAF84D1}" destId="{17E5EE6B-58B3-4578-9613-6A0856A1FED7}" srcOrd="0" destOrd="0" parTransId="{64A2F253-745F-49B2-A954-8AEBD2022463}" sibTransId="{615276C9-F89D-4124-B2EF-23F2EB2F927B}"/>
-    <dgm:cxn modelId="{58A589BC-B147-41C6-88F5-0A752BCE800E}" srcId="{3E5649EE-1221-452D-8CA9-DE3FAFAF84D1}" destId="{BBB6606C-96BB-4D5B-A982-C4D912A303FE}" srcOrd="1" destOrd="0" parTransId="{D7C1B061-4E8D-4D62-978B-7A49D454177A}" sibTransId="{20933320-95DB-44B6-AD2E-AEF11290206F}"/>
-    <dgm:cxn modelId="{6A2BFCBC-8B23-4406-9040-511B67321711}" srcId="{3E5649EE-1221-452D-8CA9-DE3FAFAF84D1}" destId="{B189F042-2E30-4E4F-9D5E-1CD973C394B7}" srcOrd="4" destOrd="0" parTransId="{3855448F-B4DB-45FA-A786-877B2994D8E7}" sibTransId="{E30892F8-7B2F-4398-A3A9-362FAEAD1F30}"/>
-    <dgm:cxn modelId="{366307D0-0309-4A31-9CC2-B5E7E76AD2B9}" type="presOf" srcId="{0C126C06-5E8E-4F73-9448-82DEEF4F823F}" destId="{F580EDF2-24B8-4704-BC04-D9978DDAFC1A}" srcOrd="0" destOrd="0" presId="urn:microsoft.com/office/officeart/2005/8/layout/hProcess11"/>
-    <dgm:cxn modelId="{27AE1CD8-2D04-477C-9193-8273EE2C5371}" type="presOf" srcId="{BBB6606C-96BB-4D5B-A982-C4D912A303FE}" destId="{FC057933-AB4A-4EFA-B3AD-C0CC26EB37E5}" srcOrd="0" destOrd="0" presId="urn:microsoft.com/office/officeart/2005/8/layout/hProcess11"/>
-    <dgm:cxn modelId="{B330CCEC-705D-447E-843F-1EE848768C93}" srcId="{3E5649EE-1221-452D-8CA9-DE3FAFAF84D1}" destId="{0C126C06-5E8E-4F73-9448-82DEEF4F823F}" srcOrd="3" destOrd="0" parTransId="{3F545E21-EC19-4E4A-8CF5-EA35857586E9}" sibTransId="{4ED0B700-E702-4F4A-9757-AB008184F463}"/>
-    <dgm:cxn modelId="{6ADD18F8-AC7A-46A5-B8A7-133567FF5FDD}" type="presOf" srcId="{3E5649EE-1221-452D-8CA9-DE3FAFAF84D1}" destId="{F47C4ECC-683F-43F4-97E8-D87C49B0B302}" srcOrd="0" destOrd="0" presId="urn:microsoft.com/office/officeart/2005/8/layout/hProcess11"/>
-    <dgm:cxn modelId="{BA50E589-E247-4689-B4DB-FDEA0C830BA4}" type="presParOf" srcId="{F47C4ECC-683F-43F4-97E8-D87C49B0B302}" destId="{70396C6C-835C-47FF-AE4E-83B47C61D9B4}" srcOrd="0" destOrd="0" presId="urn:microsoft.com/office/officeart/2005/8/layout/hProcess11"/>
-    <dgm:cxn modelId="{FF9ACA03-8B42-422F-A99E-0E1BF58CD4B3}" type="presParOf" srcId="{F47C4ECC-683F-43F4-97E8-D87C49B0B302}" destId="{C1A3CBDA-D537-4653-AD17-09CC5B5382C9}" srcOrd="1" destOrd="0" presId="urn:microsoft.com/office/officeart/2005/8/layout/hProcess11"/>
-    <dgm:cxn modelId="{19921614-1474-462D-9DEE-66D8C832EC86}" type="presParOf" srcId="{C1A3CBDA-D537-4653-AD17-09CC5B5382C9}" destId="{7E17694A-A1B8-48D8-AC8F-C54D2CEB17AF}" srcOrd="0" destOrd="0" presId="urn:microsoft.com/office/officeart/2005/8/layout/hProcess11"/>
-    <dgm:cxn modelId="{2FDD8224-40A4-40B6-A51B-50FA275D7343}" type="presParOf" srcId="{7E17694A-A1B8-48D8-AC8F-C54D2CEB17AF}" destId="{4A89F01D-CD83-4E99-B1B1-673908BCA28A}" srcOrd="0" destOrd="0" presId="urn:microsoft.com/office/officeart/2005/8/layout/hProcess11"/>
-    <dgm:cxn modelId="{39904D0C-11B2-4F1A-B5DF-68C554599FAF}" type="presParOf" srcId="{7E17694A-A1B8-48D8-AC8F-C54D2CEB17AF}" destId="{A340AB25-CEC5-456A-A27A-36F24985A060}" srcOrd="1" destOrd="0" presId="urn:microsoft.com/office/officeart/2005/8/layout/hProcess11"/>
-    <dgm:cxn modelId="{DB0349EF-FC74-4CD7-B13F-26AF2C12F5B9}" type="presParOf" srcId="{7E17694A-A1B8-48D8-AC8F-C54D2CEB17AF}" destId="{F2A6E087-803C-4C0F-B2CD-1968278C1EB8}" srcOrd="2" destOrd="0" presId="urn:microsoft.com/office/officeart/2005/8/layout/hProcess11"/>
-    <dgm:cxn modelId="{CD9EFBE7-DFDB-419B-A67A-2BA12FBBB8B6}" type="presParOf" srcId="{C1A3CBDA-D537-4653-AD17-09CC5B5382C9}" destId="{65B29247-5BC0-43C3-A59C-9A7B66C51824}" srcOrd="1" destOrd="0" presId="urn:microsoft.com/office/officeart/2005/8/layout/hProcess11"/>
-    <dgm:cxn modelId="{AC60F70D-D749-461C-8C0A-277DCBAAF2EC}" type="presParOf" srcId="{C1A3CBDA-D537-4653-AD17-09CC5B5382C9}" destId="{81702E42-9036-421D-A882-B64AA2B22895}" srcOrd="2" destOrd="0" presId="urn:microsoft.com/office/officeart/2005/8/layout/hProcess11"/>
-    <dgm:cxn modelId="{8AED2389-7C2E-447E-8925-D37AD77C2CFF}" type="presParOf" srcId="{81702E42-9036-421D-A882-B64AA2B22895}" destId="{FC057933-AB4A-4EFA-B3AD-C0CC26EB37E5}" srcOrd="0" destOrd="0" presId="urn:microsoft.com/office/officeart/2005/8/layout/hProcess11"/>
-    <dgm:cxn modelId="{A38BFD89-1692-427E-98C1-A8242FDF1D13}" type="presParOf" srcId="{81702E42-9036-421D-A882-B64AA2B22895}" destId="{2A658599-2697-4826-A999-C85478CB0A70}" srcOrd="1" destOrd="0" presId="urn:microsoft.com/office/officeart/2005/8/layout/hProcess11"/>
-    <dgm:cxn modelId="{55CCABD6-1506-4663-A83A-627EE6EE6E81}" type="presParOf" srcId="{81702E42-9036-421D-A882-B64AA2B22895}" destId="{69BE6D44-E708-4329-B88A-00CF17CC437A}" srcOrd="2" destOrd="0" presId="urn:microsoft.com/office/officeart/2005/8/layout/hProcess11"/>
-    <dgm:cxn modelId="{44A686B1-3E74-454F-ADEF-C8C2002C26A6}" type="presParOf" srcId="{C1A3CBDA-D537-4653-AD17-09CC5B5382C9}" destId="{03A1F047-AD8C-413E-9C04-2360126D49D1}" srcOrd="3" destOrd="0" presId="urn:microsoft.com/office/officeart/2005/8/layout/hProcess11"/>
-    <dgm:cxn modelId="{A1E0AEEF-B606-4C02-93BC-5D605BDAB81E}" type="presParOf" srcId="{C1A3CBDA-D537-4653-AD17-09CC5B5382C9}" destId="{FFE85F9F-5726-412A-85C4-D6076D290EA6}" srcOrd="4" destOrd="0" presId="urn:microsoft.com/office/officeart/2005/8/layout/hProcess11"/>
-    <dgm:cxn modelId="{1F2ECE61-AF8E-4448-8C7D-62B00CD4F25A}" type="presParOf" srcId="{FFE85F9F-5726-412A-85C4-D6076D290EA6}" destId="{3735D615-01F0-47BF-8453-6EA220B9C4FF}" srcOrd="0" destOrd="0" presId="urn:microsoft.com/office/officeart/2005/8/layout/hProcess11"/>
-    <dgm:cxn modelId="{A2F8BCEF-60A3-46AC-B791-418FCD486FD7}" type="presParOf" srcId="{FFE85F9F-5726-412A-85C4-D6076D290EA6}" destId="{AB4304A3-8CB6-470E-88D9-02A80E831EAF}" srcOrd="1" destOrd="0" presId="urn:microsoft.com/office/officeart/2005/8/layout/hProcess11"/>
-    <dgm:cxn modelId="{57515396-816E-4E13-B214-64981E1D5438}" type="presParOf" srcId="{FFE85F9F-5726-412A-85C4-D6076D290EA6}" destId="{9E7450E4-AABF-453F-A585-58989C52E3E6}" srcOrd="2" destOrd="0" presId="urn:microsoft.com/office/officeart/2005/8/layout/hProcess11"/>
-    <dgm:cxn modelId="{463B2A41-C9DA-4149-99DF-7F48BF808485}" type="presParOf" srcId="{C1A3CBDA-D537-4653-AD17-09CC5B5382C9}" destId="{A526E843-4497-46C9-BA34-AAB4DC8C4C2B}" srcOrd="5" destOrd="0" presId="urn:microsoft.com/office/officeart/2005/8/layout/hProcess11"/>
-    <dgm:cxn modelId="{4FF99AA8-004A-4956-B153-EE83C61C15FA}" type="presParOf" srcId="{C1A3CBDA-D537-4653-AD17-09CC5B5382C9}" destId="{932333F6-0BCD-4253-94CA-4CEDF400D41C}" srcOrd="6" destOrd="0" presId="urn:microsoft.com/office/officeart/2005/8/layout/hProcess11"/>
-    <dgm:cxn modelId="{AE29B0EC-D719-4A6C-B62E-6AAA7CFF3ED3}" type="presParOf" srcId="{932333F6-0BCD-4253-94CA-4CEDF400D41C}" destId="{F580EDF2-24B8-4704-BC04-D9978DDAFC1A}" srcOrd="0" destOrd="0" presId="urn:microsoft.com/office/officeart/2005/8/layout/hProcess11"/>
-    <dgm:cxn modelId="{CCBA1818-B294-4042-9A28-E5D918030A47}" type="presParOf" srcId="{932333F6-0BCD-4253-94CA-4CEDF400D41C}" destId="{21980DAF-8E68-4F23-95DA-69E9168E37AB}" srcOrd="1" destOrd="0" presId="urn:microsoft.com/office/officeart/2005/8/layout/hProcess11"/>
-    <dgm:cxn modelId="{1950B66E-3C15-44C5-A90B-084E81C2C2E7}" type="presParOf" srcId="{932333F6-0BCD-4253-94CA-4CEDF400D41C}" destId="{3DE82FCB-C8B5-4582-9B4A-7FCC7E856130}" srcOrd="2" destOrd="0" presId="urn:microsoft.com/office/officeart/2005/8/layout/hProcess11"/>
-    <dgm:cxn modelId="{345822C4-968D-4347-B981-30E3C3A0B6A9}" type="presParOf" srcId="{C1A3CBDA-D537-4653-AD17-09CC5B5382C9}" destId="{FA2623B0-7880-4C19-89DD-0D0F15220D38}" srcOrd="7" destOrd="0" presId="urn:microsoft.com/office/officeart/2005/8/layout/hProcess11"/>
-    <dgm:cxn modelId="{BBEA2702-78BE-44AF-9C22-130ED3CA24AF}" type="presParOf" srcId="{C1A3CBDA-D537-4653-AD17-09CC5B5382C9}" destId="{C9E34BA7-92F7-4521-9493-9A365BE95764}" srcOrd="8" destOrd="0" presId="urn:microsoft.com/office/officeart/2005/8/layout/hProcess11"/>
-    <dgm:cxn modelId="{07C99A1C-70EA-4F04-9AA9-6B233737B831}" type="presParOf" srcId="{C9E34BA7-92F7-4521-9493-9A365BE95764}" destId="{33B3B84C-CD82-4367-A017-1FE2EDF5A33B}" srcOrd="0" destOrd="0" presId="urn:microsoft.com/office/officeart/2005/8/layout/hProcess11"/>
-    <dgm:cxn modelId="{D24926F8-15EB-4633-8AAB-8966A517F0ED}" type="presParOf" srcId="{C9E34BA7-92F7-4521-9493-9A365BE95764}" destId="{2ED647EA-6AEE-4AFD-AE84-C6D3E9DA24AC}" srcOrd="1" destOrd="0" presId="urn:microsoft.com/office/officeart/2005/8/layout/hProcess11"/>
-    <dgm:cxn modelId="{B48CE8D3-99F2-4D1F-9909-6A08324303A1}" type="presParOf" srcId="{C9E34BA7-92F7-4521-9493-9A365BE95764}" destId="{D626269E-B816-465E-ADA7-5239B6D30EA2}" srcOrd="2" destOrd="0" presId="urn:microsoft.com/office/officeart/2005/8/layout/hProcess11"/>
-    <dgm:cxn modelId="{C85387D3-2428-45AC-82CF-0408D5A18A96}" type="presParOf" srcId="{C1A3CBDA-D537-4653-AD17-09CC5B5382C9}" destId="{62C3E6EF-0136-4C48-BBA2-B4957F29B436}" srcOrd="9" destOrd="0" presId="urn:microsoft.com/office/officeart/2005/8/layout/hProcess11"/>
-    <dgm:cxn modelId="{F7A2149D-0A6F-498B-AAE9-596125357F2D}" type="presParOf" srcId="{C1A3CBDA-D537-4653-AD17-09CC5B5382C9}" destId="{8900855F-CAF8-4165-B8C6-A5A4E1A8E831}" srcOrd="10" destOrd="0" presId="urn:microsoft.com/office/officeart/2005/8/layout/hProcess11"/>
-    <dgm:cxn modelId="{4AED721A-3FFE-4B18-B143-A90D23494D2F}" type="presParOf" srcId="{8900855F-CAF8-4165-B8C6-A5A4E1A8E831}" destId="{B13C39C8-E8DE-4D16-824B-19BCA52A63C4}" srcOrd="0" destOrd="0" presId="urn:microsoft.com/office/officeart/2005/8/layout/hProcess11"/>
-    <dgm:cxn modelId="{4A547C5B-951B-412A-9E8C-81ECC0A4E326}" type="presParOf" srcId="{8900855F-CAF8-4165-B8C6-A5A4E1A8E831}" destId="{6E76BAEB-1F99-477C-A851-CED92BC61AEF}" srcOrd="1" destOrd="0" presId="urn:microsoft.com/office/officeart/2005/8/layout/hProcess11"/>
-    <dgm:cxn modelId="{93141EA2-487C-44F6-B558-1F83D1FF8FE3}" type="presParOf" srcId="{8900855F-CAF8-4165-B8C6-A5A4E1A8E831}" destId="{C89E3D04-5BEC-46A4-BEB6-DAD4CD61EF9A}" srcOrd="2" destOrd="0" presId="urn:microsoft.com/office/officeart/2005/8/layout/hProcess11"/>
-  </dgm:cxnLst>
-  <dgm:bg/>
-  <dgm:whole/>
-  <dgm:extLst>
-    <a:ext uri="http://schemas.microsoft.com/office/drawing/2008/diagram">
-      <dsp:dataModelExt xmlns:dsp="http://schemas.microsoft.com/office/drawing/2008/diagram" relId="rId7" minVer="http://schemas.openxmlformats.org/drawingml/2006/diagram"/>
-    </a:ext>
-  </dgm:extLst>
-</dgm:dataModel>
-</file>
-
-<file path=ppt/diagrams/data2.xml><?xml version="1.0" encoding="utf-8"?>
 <dgm:dataModel xmlns:dgm="http://schemas.openxmlformats.org/drawingml/2006/diagram" xmlns:a="http://schemas.openxmlformats.org/drawingml/2006/main">
   <dgm:ptLst>
     <dgm:pt modelId="{3E5649EE-1221-452D-8CA9-DE3FAFAF84D1}" type="doc">
@@ -3496,820 +2215,6 @@
 </dsp:drawing>
 </file>
 
-<file path=ppt/diagrams/drawing2.xml><?xml version="1.0" encoding="utf-8"?>
-<dsp:drawing xmlns:dgm="http://schemas.openxmlformats.org/drawingml/2006/diagram" xmlns:dsp="http://schemas.microsoft.com/office/drawing/2008/diagram" xmlns:a="http://schemas.openxmlformats.org/drawingml/2006/main">
-  <dsp:spTree>
-    <dsp:nvGrpSpPr>
-      <dsp:cNvPr id="0" name=""/>
-      <dsp:cNvGrpSpPr/>
-    </dsp:nvGrpSpPr>
-    <dsp:grpSpPr/>
-    <dsp:sp modelId="{70396C6C-835C-47FF-AE4E-83B47C61D9B4}">
-      <dsp:nvSpPr>
-        <dsp:cNvPr id="0" name=""/>
-        <dsp:cNvSpPr/>
-      </dsp:nvSpPr>
-      <dsp:spPr>
-        <a:xfrm>
-          <a:off x="0" y="1727686"/>
-          <a:ext cx="12192000" cy="2303581"/>
-        </a:xfrm>
-        <a:prstGeom prst="notchedRightArrow">
-          <a:avLst/>
-        </a:prstGeom>
-        <a:solidFill>
-          <a:schemeClr val="accent1">
-            <a:tint val="40000"/>
-            <a:hueOff val="0"/>
-            <a:satOff val="0"/>
-            <a:lumOff val="0"/>
-            <a:alphaOff val="0"/>
-          </a:schemeClr>
-        </a:solidFill>
-        <a:ln>
-          <a:noFill/>
-        </a:ln>
-        <a:effectLst/>
-      </dsp:spPr>
-      <dsp:style>
-        <a:lnRef idx="0">
-          <a:scrgbClr r="0" g="0" b="0"/>
-        </a:lnRef>
-        <a:fillRef idx="1">
-          <a:scrgbClr r="0" g="0" b="0"/>
-        </a:fillRef>
-        <a:effectRef idx="0">
-          <a:scrgbClr r="0" g="0" b="0"/>
-        </a:effectRef>
-        <a:fontRef idx="minor"/>
-      </dsp:style>
-    </dsp:sp>
-    <dsp:sp modelId="{4A89F01D-CD83-4E99-B1B1-673908BCA28A}">
-      <dsp:nvSpPr>
-        <dsp:cNvPr id="0" name=""/>
-        <dsp:cNvSpPr/>
-      </dsp:nvSpPr>
-      <dsp:spPr>
-        <a:xfrm>
-          <a:off x="3013" y="0"/>
-          <a:ext cx="1754683" cy="2303581"/>
-        </a:xfrm>
-        <a:prstGeom prst="rect">
-          <a:avLst/>
-        </a:prstGeom>
-        <a:noFill/>
-        <a:ln>
-          <a:noFill/>
-        </a:ln>
-        <a:effectLst/>
-      </dsp:spPr>
-      <dsp:style>
-        <a:lnRef idx="0">
-          <a:scrgbClr r="0" g="0" b="0"/>
-        </a:lnRef>
-        <a:fillRef idx="0">
-          <a:scrgbClr r="0" g="0" b="0"/>
-        </a:fillRef>
-        <a:effectRef idx="0">
-          <a:scrgbClr r="0" g="0" b="0"/>
-        </a:effectRef>
-        <a:fontRef idx="minor"/>
-      </dsp:style>
-      <dsp:txBody>
-        <a:bodyPr spcFirstLastPara="0" vert="horz" wrap="square" lIns="128016" tIns="128016" rIns="128016" bIns="128016" numCol="1" spcCol="1270" anchor="b" anchorCtr="0">
-          <a:noAutofit/>
-        </a:bodyPr>
-        <a:lstStyle/>
-        <a:p>
-          <a:pPr marL="0" lvl="0" indent="0" algn="ctr" defTabSz="800100">
-            <a:lnSpc>
-              <a:spcPct val="90000"/>
-            </a:lnSpc>
-            <a:spcBef>
-              <a:spcPct val="0"/>
-            </a:spcBef>
-            <a:spcAft>
-              <a:spcPts val="0"/>
-            </a:spcAft>
-            <a:buNone/>
-          </a:pPr>
-          <a:r>
-            <a:rPr lang="en-US" sz="1800" kern="1200" dirty="0"/>
-            <a:t>Camera setup</a:t>
-          </a:r>
-        </a:p>
-        <a:p>
-          <a:pPr marL="0" lvl="0" indent="0" algn="ctr" defTabSz="800100">
-            <a:lnSpc>
-              <a:spcPct val="90000"/>
-            </a:lnSpc>
-            <a:spcBef>
-              <a:spcPct val="0"/>
-            </a:spcBef>
-            <a:spcAft>
-              <a:spcPts val="0"/>
-            </a:spcAft>
-            <a:buNone/>
-          </a:pPr>
-          <a:r>
-            <a:rPr lang="en-US" sz="1800" kern="1200" dirty="0"/>
-            <a:t>10.2019</a:t>
-          </a:r>
-        </a:p>
-      </dsp:txBody>
-      <dsp:txXfrm>
-        <a:off x="3013" y="0"/>
-        <a:ext cx="1754683" cy="2303581"/>
-      </dsp:txXfrm>
-    </dsp:sp>
-    <dsp:sp modelId="{A340AB25-CEC5-456A-A27A-36F24985A060}">
-      <dsp:nvSpPr>
-        <dsp:cNvPr id="0" name=""/>
-        <dsp:cNvSpPr/>
-      </dsp:nvSpPr>
-      <dsp:spPr>
-        <a:xfrm>
-          <a:off x="592407" y="2591529"/>
-          <a:ext cx="575895" cy="575895"/>
-        </a:xfrm>
-        <a:prstGeom prst="ellipse">
-          <a:avLst/>
-        </a:prstGeom>
-        <a:solidFill>
-          <a:schemeClr val="accent1">
-            <a:hueOff val="0"/>
-            <a:satOff val="0"/>
-            <a:lumOff val="0"/>
-            <a:alphaOff val="0"/>
-          </a:schemeClr>
-        </a:solidFill>
-        <a:ln w="25400" cap="flat" cmpd="sng" algn="ctr">
-          <a:solidFill>
-            <a:schemeClr val="lt1">
-              <a:hueOff val="0"/>
-              <a:satOff val="0"/>
-              <a:lumOff val="0"/>
-              <a:alphaOff val="0"/>
-            </a:schemeClr>
-          </a:solidFill>
-          <a:prstDash val="solid"/>
-        </a:ln>
-        <a:effectLst/>
-      </dsp:spPr>
-      <dsp:style>
-        <a:lnRef idx="2">
-          <a:scrgbClr r="0" g="0" b="0"/>
-        </a:lnRef>
-        <a:fillRef idx="1">
-          <a:scrgbClr r="0" g="0" b="0"/>
-        </a:fillRef>
-        <a:effectRef idx="0">
-          <a:scrgbClr r="0" g="0" b="0"/>
-        </a:effectRef>
-        <a:fontRef idx="minor">
-          <a:schemeClr val="lt1"/>
-        </a:fontRef>
-      </dsp:style>
-    </dsp:sp>
-    <dsp:sp modelId="{FC057933-AB4A-4EFA-B3AD-C0CC26EB37E5}">
-      <dsp:nvSpPr>
-        <dsp:cNvPr id="0" name=""/>
-        <dsp:cNvSpPr/>
-      </dsp:nvSpPr>
-      <dsp:spPr>
-        <a:xfrm>
-          <a:off x="1845431" y="3455372"/>
-          <a:ext cx="1754683" cy="2303581"/>
-        </a:xfrm>
-        <a:prstGeom prst="rect">
-          <a:avLst/>
-        </a:prstGeom>
-        <a:noFill/>
-        <a:ln>
-          <a:noFill/>
-        </a:ln>
-        <a:effectLst/>
-      </dsp:spPr>
-      <dsp:style>
-        <a:lnRef idx="0">
-          <a:scrgbClr r="0" g="0" b="0"/>
-        </a:lnRef>
-        <a:fillRef idx="0">
-          <a:scrgbClr r="0" g="0" b="0"/>
-        </a:fillRef>
-        <a:effectRef idx="0">
-          <a:scrgbClr r="0" g="0" b="0"/>
-        </a:effectRef>
-        <a:fontRef idx="minor"/>
-      </dsp:style>
-      <dsp:txBody>
-        <a:bodyPr spcFirstLastPara="0" vert="horz" wrap="square" lIns="128016" tIns="128016" rIns="128016" bIns="128016" numCol="1" spcCol="1270" anchor="t" anchorCtr="0">
-          <a:noAutofit/>
-        </a:bodyPr>
-        <a:lstStyle/>
-        <a:p>
-          <a:pPr marL="0" lvl="0" indent="0" algn="ctr" defTabSz="800100">
-            <a:lnSpc>
-              <a:spcPct val="90000"/>
-            </a:lnSpc>
-            <a:spcBef>
-              <a:spcPct val="0"/>
-            </a:spcBef>
-            <a:spcAft>
-              <a:spcPts val="0"/>
-            </a:spcAft>
-            <a:buNone/>
-          </a:pPr>
-          <a:r>
-            <a:rPr lang="en-US" sz="1800" kern="1200" dirty="0"/>
-            <a:t>Preprocessing</a:t>
-          </a:r>
-        </a:p>
-        <a:p>
-          <a:pPr marL="0" lvl="0" indent="0" algn="ctr" defTabSz="800100">
-            <a:lnSpc>
-              <a:spcPct val="90000"/>
-            </a:lnSpc>
-            <a:spcBef>
-              <a:spcPct val="0"/>
-            </a:spcBef>
-            <a:spcAft>
-              <a:spcPts val="0"/>
-            </a:spcAft>
-            <a:buNone/>
-          </a:pPr>
-          <a:r>
-            <a:rPr lang="en-US" sz="1800" kern="1200" dirty="0"/>
-            <a:t>10.2019</a:t>
-          </a:r>
-        </a:p>
-      </dsp:txBody>
-      <dsp:txXfrm>
-        <a:off x="1845431" y="3455372"/>
-        <a:ext cx="1754683" cy="2303581"/>
-      </dsp:txXfrm>
-    </dsp:sp>
-    <dsp:sp modelId="{2A658599-2697-4826-A999-C85478CB0A70}">
-      <dsp:nvSpPr>
-        <dsp:cNvPr id="0" name=""/>
-        <dsp:cNvSpPr/>
-      </dsp:nvSpPr>
-      <dsp:spPr>
-        <a:xfrm>
-          <a:off x="2434825" y="2591529"/>
-          <a:ext cx="575895" cy="575895"/>
-        </a:xfrm>
-        <a:prstGeom prst="ellipse">
-          <a:avLst/>
-        </a:prstGeom>
-        <a:solidFill>
-          <a:schemeClr val="accent1">
-            <a:hueOff val="0"/>
-            <a:satOff val="0"/>
-            <a:lumOff val="0"/>
-            <a:alphaOff val="0"/>
-          </a:schemeClr>
-        </a:solidFill>
-        <a:ln w="25400" cap="flat" cmpd="sng" algn="ctr">
-          <a:solidFill>
-            <a:schemeClr val="lt1">
-              <a:hueOff val="0"/>
-              <a:satOff val="0"/>
-              <a:lumOff val="0"/>
-              <a:alphaOff val="0"/>
-            </a:schemeClr>
-          </a:solidFill>
-          <a:prstDash val="solid"/>
-        </a:ln>
-        <a:effectLst/>
-      </dsp:spPr>
-      <dsp:style>
-        <a:lnRef idx="2">
-          <a:scrgbClr r="0" g="0" b="0"/>
-        </a:lnRef>
-        <a:fillRef idx="1">
-          <a:scrgbClr r="0" g="0" b="0"/>
-        </a:fillRef>
-        <a:effectRef idx="0">
-          <a:scrgbClr r="0" g="0" b="0"/>
-        </a:effectRef>
-        <a:fontRef idx="minor">
-          <a:schemeClr val="lt1"/>
-        </a:fontRef>
-      </dsp:style>
-    </dsp:sp>
-    <dsp:sp modelId="{3735D615-01F0-47BF-8453-6EA220B9C4FF}">
-      <dsp:nvSpPr>
-        <dsp:cNvPr id="0" name=""/>
-        <dsp:cNvSpPr/>
-      </dsp:nvSpPr>
-      <dsp:spPr>
-        <a:xfrm>
-          <a:off x="3687849" y="0"/>
-          <a:ext cx="1754683" cy="2303581"/>
-        </a:xfrm>
-        <a:prstGeom prst="rect">
-          <a:avLst/>
-        </a:prstGeom>
-        <a:noFill/>
-        <a:ln>
-          <a:noFill/>
-        </a:ln>
-        <a:effectLst/>
-      </dsp:spPr>
-      <dsp:style>
-        <a:lnRef idx="0">
-          <a:scrgbClr r="0" g="0" b="0"/>
-        </a:lnRef>
-        <a:fillRef idx="0">
-          <a:scrgbClr r="0" g="0" b="0"/>
-        </a:fillRef>
-        <a:effectRef idx="0">
-          <a:scrgbClr r="0" g="0" b="0"/>
-        </a:effectRef>
-        <a:fontRef idx="minor"/>
-      </dsp:style>
-      <dsp:txBody>
-        <a:bodyPr spcFirstLastPara="0" vert="horz" wrap="square" lIns="142240" tIns="142240" rIns="142240" bIns="142240" numCol="1" spcCol="1270" anchor="b" anchorCtr="0">
-          <a:noAutofit/>
-        </a:bodyPr>
-        <a:lstStyle/>
-        <a:p>
-          <a:pPr marL="0" lvl="0" indent="0" algn="ctr" defTabSz="889000">
-            <a:lnSpc>
-              <a:spcPct val="90000"/>
-            </a:lnSpc>
-            <a:spcBef>
-              <a:spcPct val="0"/>
-            </a:spcBef>
-            <a:spcAft>
-              <a:spcPts val="0"/>
-            </a:spcAft>
-            <a:buNone/>
-          </a:pPr>
-          <a:r>
-            <a:rPr lang="en-US" sz="2000" b="1" kern="1200" dirty="0"/>
-            <a:t>Camera calibration</a:t>
-          </a:r>
-        </a:p>
-        <a:p>
-          <a:pPr marL="0" lvl="0" indent="0" algn="ctr" defTabSz="889000">
-            <a:lnSpc>
-              <a:spcPct val="90000"/>
-            </a:lnSpc>
-            <a:spcBef>
-              <a:spcPct val="0"/>
-            </a:spcBef>
-            <a:spcAft>
-              <a:spcPts val="0"/>
-            </a:spcAft>
-            <a:buNone/>
-          </a:pPr>
-          <a:r>
-            <a:rPr lang="en-US" sz="2000" b="1" kern="1200" dirty="0"/>
-            <a:t>Most of 11.2019</a:t>
-          </a:r>
-        </a:p>
-      </dsp:txBody>
-      <dsp:txXfrm>
-        <a:off x="3687849" y="0"/>
-        <a:ext cx="1754683" cy="2303581"/>
-      </dsp:txXfrm>
-    </dsp:sp>
-    <dsp:sp modelId="{AB4304A3-8CB6-470E-88D9-02A80E831EAF}">
-      <dsp:nvSpPr>
-        <dsp:cNvPr id="0" name=""/>
-        <dsp:cNvSpPr/>
-      </dsp:nvSpPr>
-      <dsp:spPr>
-        <a:xfrm>
-          <a:off x="4277243" y="2591529"/>
-          <a:ext cx="575895" cy="575895"/>
-        </a:xfrm>
-        <a:prstGeom prst="ellipse">
-          <a:avLst/>
-        </a:prstGeom>
-        <a:solidFill>
-          <a:schemeClr val="accent1">
-            <a:hueOff val="0"/>
-            <a:satOff val="0"/>
-            <a:lumOff val="0"/>
-            <a:alphaOff val="0"/>
-          </a:schemeClr>
-        </a:solidFill>
-        <a:ln w="25400" cap="flat" cmpd="sng" algn="ctr">
-          <a:solidFill>
-            <a:schemeClr val="lt1">
-              <a:hueOff val="0"/>
-              <a:satOff val="0"/>
-              <a:lumOff val="0"/>
-              <a:alphaOff val="0"/>
-            </a:schemeClr>
-          </a:solidFill>
-          <a:prstDash val="solid"/>
-        </a:ln>
-        <a:effectLst/>
-      </dsp:spPr>
-      <dsp:style>
-        <a:lnRef idx="2">
-          <a:scrgbClr r="0" g="0" b="0"/>
-        </a:lnRef>
-        <a:fillRef idx="1">
-          <a:scrgbClr r="0" g="0" b="0"/>
-        </a:fillRef>
-        <a:effectRef idx="0">
-          <a:scrgbClr r="0" g="0" b="0"/>
-        </a:effectRef>
-        <a:fontRef idx="minor">
-          <a:schemeClr val="lt1"/>
-        </a:fontRef>
-      </dsp:style>
-    </dsp:sp>
-    <dsp:sp modelId="{F580EDF2-24B8-4704-BC04-D9978DDAFC1A}">
-      <dsp:nvSpPr>
-        <dsp:cNvPr id="0" name=""/>
-        <dsp:cNvSpPr/>
-      </dsp:nvSpPr>
-      <dsp:spPr>
-        <a:xfrm>
-          <a:off x="5530267" y="3455372"/>
-          <a:ext cx="1754683" cy="2303581"/>
-        </a:xfrm>
-        <a:prstGeom prst="rect">
-          <a:avLst/>
-        </a:prstGeom>
-        <a:noFill/>
-        <a:ln>
-          <a:noFill/>
-        </a:ln>
-        <a:effectLst/>
-      </dsp:spPr>
-      <dsp:style>
-        <a:lnRef idx="0">
-          <a:scrgbClr r="0" g="0" b="0"/>
-        </a:lnRef>
-        <a:fillRef idx="0">
-          <a:scrgbClr r="0" g="0" b="0"/>
-        </a:fillRef>
-        <a:effectRef idx="0">
-          <a:scrgbClr r="0" g="0" b="0"/>
-        </a:effectRef>
-        <a:fontRef idx="minor"/>
-      </dsp:style>
-      <dsp:txBody>
-        <a:bodyPr spcFirstLastPara="0" vert="horz" wrap="square" lIns="128016" tIns="128016" rIns="128016" bIns="128016" numCol="1" spcCol="1270" anchor="t" anchorCtr="0">
-          <a:noAutofit/>
-        </a:bodyPr>
-        <a:lstStyle/>
-        <a:p>
-          <a:pPr marL="0" lvl="0" indent="0" algn="ctr" defTabSz="800100">
-            <a:lnSpc>
-              <a:spcPct val="90000"/>
-            </a:lnSpc>
-            <a:spcBef>
-              <a:spcPct val="0"/>
-            </a:spcBef>
-            <a:spcAft>
-              <a:spcPts val="0"/>
-            </a:spcAft>
-            <a:buNone/>
-          </a:pPr>
-          <a:r>
-            <a:rPr lang="en-US" sz="1800" kern="1200" dirty="0"/>
-            <a:t>Volumetric Fusion and Blending</a:t>
-          </a:r>
-        </a:p>
-        <a:p>
-          <a:pPr marL="0" lvl="0" indent="0" algn="ctr" defTabSz="800100">
-            <a:lnSpc>
-              <a:spcPct val="90000"/>
-            </a:lnSpc>
-            <a:spcBef>
-              <a:spcPct val="0"/>
-            </a:spcBef>
-            <a:spcAft>
-              <a:spcPts val="0"/>
-            </a:spcAft>
-            <a:buNone/>
-          </a:pPr>
-          <a:r>
-            <a:rPr lang="en-US" sz="1800" kern="1200" dirty="0"/>
-            <a:t>12.2019</a:t>
-          </a:r>
-        </a:p>
-      </dsp:txBody>
-      <dsp:txXfrm>
-        <a:off x="5530267" y="3455372"/>
-        <a:ext cx="1754683" cy="2303581"/>
-      </dsp:txXfrm>
-    </dsp:sp>
-    <dsp:sp modelId="{21980DAF-8E68-4F23-95DA-69E9168E37AB}">
-      <dsp:nvSpPr>
-        <dsp:cNvPr id="0" name=""/>
-        <dsp:cNvSpPr/>
-      </dsp:nvSpPr>
-      <dsp:spPr>
-        <a:xfrm>
-          <a:off x="6119661" y="2591529"/>
-          <a:ext cx="575895" cy="575895"/>
-        </a:xfrm>
-        <a:prstGeom prst="ellipse">
-          <a:avLst/>
-        </a:prstGeom>
-        <a:solidFill>
-          <a:schemeClr val="accent1">
-            <a:hueOff val="0"/>
-            <a:satOff val="0"/>
-            <a:lumOff val="0"/>
-            <a:alphaOff val="0"/>
-          </a:schemeClr>
-        </a:solidFill>
-        <a:ln w="25400" cap="flat" cmpd="sng" algn="ctr">
-          <a:solidFill>
-            <a:schemeClr val="lt1">
-              <a:hueOff val="0"/>
-              <a:satOff val="0"/>
-              <a:lumOff val="0"/>
-              <a:alphaOff val="0"/>
-            </a:schemeClr>
-          </a:solidFill>
-          <a:prstDash val="solid"/>
-        </a:ln>
-        <a:effectLst/>
-      </dsp:spPr>
-      <dsp:style>
-        <a:lnRef idx="2">
-          <a:scrgbClr r="0" g="0" b="0"/>
-        </a:lnRef>
-        <a:fillRef idx="1">
-          <a:scrgbClr r="0" g="0" b="0"/>
-        </a:fillRef>
-        <a:effectRef idx="0">
-          <a:scrgbClr r="0" g="0" b="0"/>
-        </a:effectRef>
-        <a:fontRef idx="minor">
-          <a:schemeClr val="lt1"/>
-        </a:fontRef>
-      </dsp:style>
-    </dsp:sp>
-    <dsp:sp modelId="{33B3B84C-CD82-4367-A017-1FE2EDF5A33B}">
-      <dsp:nvSpPr>
-        <dsp:cNvPr id="0" name=""/>
-        <dsp:cNvSpPr/>
-      </dsp:nvSpPr>
-      <dsp:spPr>
-        <a:xfrm>
-          <a:off x="7372684" y="0"/>
-          <a:ext cx="1754683" cy="2303581"/>
-        </a:xfrm>
-        <a:prstGeom prst="rect">
-          <a:avLst/>
-        </a:prstGeom>
-        <a:noFill/>
-        <a:ln>
-          <a:noFill/>
-        </a:ln>
-        <a:effectLst/>
-      </dsp:spPr>
-      <dsp:style>
-        <a:lnRef idx="0">
-          <a:scrgbClr r="0" g="0" b="0"/>
-        </a:lnRef>
-        <a:fillRef idx="0">
-          <a:scrgbClr r="0" g="0" b="0"/>
-        </a:fillRef>
-        <a:effectRef idx="0">
-          <a:scrgbClr r="0" g="0" b="0"/>
-        </a:effectRef>
-        <a:fontRef idx="minor"/>
-      </dsp:style>
-      <dsp:txBody>
-        <a:bodyPr spcFirstLastPara="0" vert="horz" wrap="square" lIns="128016" tIns="128016" rIns="128016" bIns="128016" numCol="1" spcCol="1270" anchor="b" anchorCtr="0">
-          <a:noAutofit/>
-        </a:bodyPr>
-        <a:lstStyle/>
-        <a:p>
-          <a:pPr marL="0" lvl="0" indent="0" algn="ctr" defTabSz="800100">
-            <a:lnSpc>
-              <a:spcPct val="90000"/>
-            </a:lnSpc>
-            <a:spcBef>
-              <a:spcPct val="0"/>
-            </a:spcBef>
-            <a:spcAft>
-              <a:spcPts val="0"/>
-            </a:spcAft>
-            <a:buNone/>
-          </a:pPr>
-          <a:r>
-            <a:rPr lang="en-US" sz="1800" kern="1200" dirty="0"/>
-            <a:t>Non-rigid Tracking</a:t>
-          </a:r>
-        </a:p>
-        <a:p>
-          <a:pPr marL="0" lvl="0" indent="0" algn="ctr" defTabSz="800100">
-            <a:lnSpc>
-              <a:spcPct val="90000"/>
-            </a:lnSpc>
-            <a:spcBef>
-              <a:spcPct val="0"/>
-            </a:spcBef>
-            <a:spcAft>
-              <a:spcPts val="0"/>
-            </a:spcAft>
-            <a:buNone/>
-          </a:pPr>
-          <a:r>
-            <a:rPr lang="en-US" sz="1800" kern="1200" dirty="0"/>
-            <a:t>01.2020</a:t>
-          </a:r>
-        </a:p>
-      </dsp:txBody>
-      <dsp:txXfrm>
-        <a:off x="7372684" y="0"/>
-        <a:ext cx="1754683" cy="2303581"/>
-      </dsp:txXfrm>
-    </dsp:sp>
-    <dsp:sp modelId="{2ED647EA-6AEE-4AFD-AE84-C6D3E9DA24AC}">
-      <dsp:nvSpPr>
-        <dsp:cNvPr id="0" name=""/>
-        <dsp:cNvSpPr/>
-      </dsp:nvSpPr>
-      <dsp:spPr>
-        <a:xfrm>
-          <a:off x="7962078" y="2591529"/>
-          <a:ext cx="575895" cy="575895"/>
-        </a:xfrm>
-        <a:prstGeom prst="ellipse">
-          <a:avLst/>
-        </a:prstGeom>
-        <a:solidFill>
-          <a:schemeClr val="accent1">
-            <a:hueOff val="0"/>
-            <a:satOff val="0"/>
-            <a:lumOff val="0"/>
-            <a:alphaOff val="0"/>
-          </a:schemeClr>
-        </a:solidFill>
-        <a:ln w="25400" cap="flat" cmpd="sng" algn="ctr">
-          <a:solidFill>
-            <a:schemeClr val="lt1">
-              <a:hueOff val="0"/>
-              <a:satOff val="0"/>
-              <a:lumOff val="0"/>
-              <a:alphaOff val="0"/>
-            </a:schemeClr>
-          </a:solidFill>
-          <a:prstDash val="solid"/>
-        </a:ln>
-        <a:effectLst/>
-      </dsp:spPr>
-      <dsp:style>
-        <a:lnRef idx="2">
-          <a:scrgbClr r="0" g="0" b="0"/>
-        </a:lnRef>
-        <a:fillRef idx="1">
-          <a:scrgbClr r="0" g="0" b="0"/>
-        </a:fillRef>
-        <a:effectRef idx="0">
-          <a:scrgbClr r="0" g="0" b="0"/>
-        </a:effectRef>
-        <a:fontRef idx="minor">
-          <a:schemeClr val="lt1"/>
-        </a:fontRef>
-      </dsp:style>
-    </dsp:sp>
-    <dsp:sp modelId="{B13C39C8-E8DE-4D16-824B-19BCA52A63C4}">
-      <dsp:nvSpPr>
-        <dsp:cNvPr id="0" name=""/>
-        <dsp:cNvSpPr/>
-      </dsp:nvSpPr>
-      <dsp:spPr>
-        <a:xfrm>
-          <a:off x="9215102" y="3455372"/>
-          <a:ext cx="1754683" cy="2303581"/>
-        </a:xfrm>
-        <a:prstGeom prst="rect">
-          <a:avLst/>
-        </a:prstGeom>
-        <a:noFill/>
-        <a:ln>
-          <a:noFill/>
-        </a:ln>
-        <a:effectLst/>
-      </dsp:spPr>
-      <dsp:style>
-        <a:lnRef idx="0">
-          <a:scrgbClr r="0" g="0" b="0"/>
-        </a:lnRef>
-        <a:fillRef idx="0">
-          <a:scrgbClr r="0" g="0" b="0"/>
-        </a:fillRef>
-        <a:effectRef idx="0">
-          <a:scrgbClr r="0" g="0" b="0"/>
-        </a:effectRef>
-        <a:fontRef idx="minor"/>
-      </dsp:style>
-      <dsp:txBody>
-        <a:bodyPr spcFirstLastPara="0" vert="horz" wrap="square" lIns="128016" tIns="128016" rIns="128016" bIns="128016" numCol="1" spcCol="1270" anchor="t" anchorCtr="0">
-          <a:noAutofit/>
-        </a:bodyPr>
-        <a:lstStyle/>
-        <a:p>
-          <a:pPr marL="0" lvl="0" indent="0" algn="ctr" defTabSz="800100">
-            <a:lnSpc>
-              <a:spcPct val="90000"/>
-            </a:lnSpc>
-            <a:spcBef>
-              <a:spcPct val="0"/>
-            </a:spcBef>
-            <a:spcAft>
-              <a:spcPts val="0"/>
-            </a:spcAft>
-            <a:buNone/>
-          </a:pPr>
-          <a:r>
-            <a:rPr lang="en-US" sz="1800" kern="1200" dirty="0"/>
-            <a:t>Optimization</a:t>
-          </a:r>
-        </a:p>
-        <a:p>
-          <a:pPr marL="0" lvl="0" indent="0" algn="ctr" defTabSz="800100">
-            <a:lnSpc>
-              <a:spcPct val="90000"/>
-            </a:lnSpc>
-            <a:spcBef>
-              <a:spcPct val="0"/>
-            </a:spcBef>
-            <a:spcAft>
-              <a:spcPts val="0"/>
-            </a:spcAft>
-            <a:buNone/>
-          </a:pPr>
-          <a:r>
-            <a:rPr lang="en-US" sz="1800" kern="1200" dirty="0"/>
-            <a:t>01.2020</a:t>
-          </a:r>
-        </a:p>
-      </dsp:txBody>
-      <dsp:txXfrm>
-        <a:off x="9215102" y="3455372"/>
-        <a:ext cx="1754683" cy="2303581"/>
-      </dsp:txXfrm>
-    </dsp:sp>
-    <dsp:sp modelId="{6E76BAEB-1F99-477C-A851-CED92BC61AEF}">
-      <dsp:nvSpPr>
-        <dsp:cNvPr id="0" name=""/>
-        <dsp:cNvSpPr/>
-      </dsp:nvSpPr>
-      <dsp:spPr>
-        <a:xfrm>
-          <a:off x="9804496" y="2591529"/>
-          <a:ext cx="575895" cy="575895"/>
-        </a:xfrm>
-        <a:prstGeom prst="ellipse">
-          <a:avLst/>
-        </a:prstGeom>
-        <a:solidFill>
-          <a:schemeClr val="accent1">
-            <a:hueOff val="0"/>
-            <a:satOff val="0"/>
-            <a:lumOff val="0"/>
-            <a:alphaOff val="0"/>
-          </a:schemeClr>
-        </a:solidFill>
-        <a:ln w="25400" cap="flat" cmpd="sng" algn="ctr">
-          <a:solidFill>
-            <a:schemeClr val="lt1">
-              <a:hueOff val="0"/>
-              <a:satOff val="0"/>
-              <a:lumOff val="0"/>
-              <a:alphaOff val="0"/>
-            </a:schemeClr>
-          </a:solidFill>
-          <a:prstDash val="solid"/>
-        </a:ln>
-        <a:effectLst/>
-      </dsp:spPr>
-      <dsp:style>
-        <a:lnRef idx="2">
-          <a:scrgbClr r="0" g="0" b="0"/>
-        </a:lnRef>
-        <a:fillRef idx="1">
-          <a:scrgbClr r="0" g="0" b="0"/>
-        </a:fillRef>
-        <a:effectRef idx="0">
-          <a:scrgbClr r="0" g="0" b="0"/>
-        </a:effectRef>
-        <a:fontRef idx="minor">
-          <a:schemeClr val="lt1"/>
-        </a:fontRef>
-      </dsp:style>
-    </dsp:sp>
-  </dsp:spTree>
-</dsp:drawing>
-</file>
-
 <file path=ppt/diagrams/layout1.xml><?xml version="1.0" encoding="utf-8"?>
 <dgm:layoutDef xmlns:dgm="http://schemas.openxmlformats.org/drawingml/2006/diagram" xmlns:a="http://schemas.openxmlformats.org/drawingml/2006/main" uniqueId="urn:microsoft.com/office/officeart/2005/8/layout/hProcess11">
   <dgm:title val=""/>
@@ -4582,1313 +2487,7 @@
 </dgm:layoutDef>
 </file>
 
-<file path=ppt/diagrams/layout2.xml><?xml version="1.0" encoding="utf-8"?>
-<dgm:layoutDef xmlns:dgm="http://schemas.openxmlformats.org/drawingml/2006/diagram" xmlns:a="http://schemas.openxmlformats.org/drawingml/2006/main" uniqueId="urn:microsoft.com/office/officeart/2005/8/layout/hProcess11">
-  <dgm:title val=""/>
-  <dgm:desc val=""/>
-  <dgm:catLst>
-    <dgm:cat type="process" pri="8000"/>
-    <dgm:cat type="convert" pri="14000"/>
-  </dgm:catLst>
-  <dgm:sampData useDef="1">
-    <dgm:dataModel>
-      <dgm:ptLst/>
-      <dgm:bg/>
-      <dgm:whole/>
-    </dgm:dataModel>
-  </dgm:sampData>
-  <dgm:styleData>
-    <dgm:dataModel>
-      <dgm:ptLst>
-        <dgm:pt modelId="0" type="doc"/>
-        <dgm:pt modelId="1"/>
-        <dgm:pt modelId="2"/>
-      </dgm:ptLst>
-      <dgm:cxnLst>
-        <dgm:cxn modelId="4" srcId="0" destId="1" srcOrd="0" destOrd="0"/>
-        <dgm:cxn modelId="5" srcId="0" destId="2" srcOrd="1" destOrd="0"/>
-      </dgm:cxnLst>
-      <dgm:bg/>
-      <dgm:whole/>
-    </dgm:dataModel>
-  </dgm:styleData>
-  <dgm:clrData>
-    <dgm:dataModel>
-      <dgm:ptLst>
-        <dgm:pt modelId="0" type="doc"/>
-        <dgm:pt modelId="1"/>
-        <dgm:pt modelId="2"/>
-        <dgm:pt modelId="3"/>
-        <dgm:pt modelId="4"/>
-      </dgm:ptLst>
-      <dgm:cxnLst>
-        <dgm:cxn modelId="5" srcId="0" destId="1" srcOrd="0" destOrd="0"/>
-        <dgm:cxn modelId="6" srcId="0" destId="2" srcOrd="1" destOrd="0"/>
-        <dgm:cxn modelId="7" srcId="0" destId="3" srcOrd="2" destOrd="0"/>
-        <dgm:cxn modelId="8" srcId="0" destId="4" srcOrd="3" destOrd="0"/>
-      </dgm:cxnLst>
-      <dgm:bg/>
-      <dgm:whole/>
-    </dgm:dataModel>
-  </dgm:clrData>
-  <dgm:layoutNode name="Name0">
-    <dgm:varLst>
-      <dgm:dir/>
-      <dgm:resizeHandles val="exact"/>
-    </dgm:varLst>
-    <dgm:alg type="composite"/>
-    <dgm:shape xmlns:r="http://schemas.openxmlformats.org/officeDocument/2006/relationships" r:blip="">
-      <dgm:adjLst/>
-    </dgm:shape>
-    <dgm:presOf/>
-    <dgm:choose name="Name1">
-      <dgm:if name="Name2" func="var" arg="dir" op="equ" val="norm">
-        <dgm:constrLst>
-          <dgm:constr type="w" for="ch" forName="arrow" refType="w"/>
-          <dgm:constr type="h" for="ch" forName="arrow" refType="h" fact="0.4"/>
-          <dgm:constr type="ctrY" for="ch" forName="arrow" refType="h" fact="0.5"/>
-          <dgm:constr type="l" for="ch" forName="arrow"/>
-          <dgm:constr type="w" for="ch" forName="points" refType="w" fact="0.9"/>
-          <dgm:constr type="h" for="ch" forName="points" refType="h"/>
-          <dgm:constr type="t" for="ch" forName="points"/>
-          <dgm:constr type="l" for="ch" forName="points"/>
-        </dgm:constrLst>
-      </dgm:if>
-      <dgm:else name="Name3">
-        <dgm:constrLst>
-          <dgm:constr type="w" for="ch" forName="arrow" refType="w"/>
-          <dgm:constr type="h" for="ch" forName="arrow" refType="h" fact="0.4"/>
-          <dgm:constr type="ctrY" for="ch" forName="arrow" refType="h" fact="0.5"/>
-          <dgm:constr type="r" for="ch" forName="arrow" refType="w"/>
-          <dgm:constr type="w" for="ch" forName="points" refType="w" fact="0.9"/>
-          <dgm:constr type="h" for="ch" forName="points" refType="h"/>
-          <dgm:constr type="t" for="ch" forName="points"/>
-          <dgm:constr type="r" for="ch" forName="points" refType="w"/>
-        </dgm:constrLst>
-      </dgm:else>
-    </dgm:choose>
-    <dgm:ruleLst/>
-    <dgm:layoutNode name="arrow" styleLbl="bgShp">
-      <dgm:alg type="sp"/>
-      <dgm:choose name="Name4">
-        <dgm:if name="Name5" func="var" arg="dir" op="equ" val="norm">
-          <dgm:shape xmlns:r="http://schemas.openxmlformats.org/officeDocument/2006/relationships" type="notchedRightArrow" r:blip="">
-            <dgm:adjLst/>
-          </dgm:shape>
-        </dgm:if>
-        <dgm:else name="Name6">
-          <dgm:shape xmlns:r="http://schemas.openxmlformats.org/officeDocument/2006/relationships" rot="180" type="notchedRightArrow" r:blip="">
-            <dgm:adjLst/>
-          </dgm:shape>
-        </dgm:else>
-      </dgm:choose>
-      <dgm:presOf/>
-      <dgm:constrLst/>
-      <dgm:ruleLst/>
-    </dgm:layoutNode>
-    <dgm:layoutNode name="points">
-      <dgm:choose name="Name7">
-        <dgm:if name="Name8" func="var" arg="dir" op="equ" val="norm">
-          <dgm:alg type="lin">
-            <dgm:param type="linDir" val="fromL"/>
-          </dgm:alg>
-        </dgm:if>
-        <dgm:else name="Name9">
-          <dgm:alg type="lin">
-            <dgm:param type="linDir" val="fromR"/>
-          </dgm:alg>
-        </dgm:else>
-      </dgm:choose>
-      <dgm:shape xmlns:r="http://schemas.openxmlformats.org/officeDocument/2006/relationships" r:blip="">
-        <dgm:adjLst/>
-      </dgm:shape>
-      <dgm:presOf/>
-      <dgm:constrLst>
-        <dgm:constr type="w" for="ch" forName="compositeA" refType="w"/>
-        <dgm:constr type="h" for="ch" forName="compositeA" refType="h"/>
-        <dgm:constr type="w" for="ch" forName="compositeB" refType="w" refFor="ch" refForName="compositeA" op="equ"/>
-        <dgm:constr type="h" for="ch" forName="compositeB" refType="h" refFor="ch" refForName="compositeA" op="equ"/>
-        <dgm:constr type="primFontSz" for="des" ptType="node" op="equ" val="65"/>
-        <dgm:constr type="w" for="ch" forName="space" refType="w" refFor="ch" refForName="compositeA" op="equ" fact="0.05"/>
-      </dgm:constrLst>
-      <dgm:ruleLst/>
-      <dgm:forEach name="Name10" axis="ch" ptType="node">
-        <dgm:choose name="Name11">
-          <dgm:if name="Name12" axis="self" ptType="node" func="posOdd" op="equ" val="1">
-            <dgm:layoutNode name="compositeA">
-              <dgm:alg type="composite"/>
-              <dgm:shape xmlns:r="http://schemas.openxmlformats.org/officeDocument/2006/relationships" r:blip="">
-                <dgm:adjLst/>
-              </dgm:shape>
-              <dgm:presOf/>
-              <dgm:constrLst>
-                <dgm:constr type="w" for="ch" forName="textA" refType="w"/>
-                <dgm:constr type="h" for="ch" forName="textA" refType="h" fact="0.4"/>
-                <dgm:constr type="t" for="ch" forName="textA"/>
-                <dgm:constr type="l" for="ch" forName="textA"/>
-                <dgm:constr type="h" for="ch" forName="circleA" refType="h" fact="0.1"/>
-                <dgm:constr type="h" for="ch" forName="circleA" refType="w" op="lte"/>
-                <dgm:constr type="w" for="ch" forName="circleA" refType="h" refFor="ch" refForName="circleA" op="equ"/>
-                <dgm:constr type="ctrY" for="ch" forName="circleA" refType="h" fact="0.5"/>
-                <dgm:constr type="ctrX" for="ch" forName="circleA" refType="w" refFor="ch" refForName="textA" fact="0.5"/>
-                <dgm:constr type="w" for="ch" forName="spaceA" refType="w"/>
-                <dgm:constr type="h" for="ch" forName="spaceA" refType="h" fact="0.4"/>
-                <dgm:constr type="b" for="ch" forName="spaceA" refType="h"/>
-                <dgm:constr type="l" for="ch" forName="spaceA"/>
-              </dgm:constrLst>
-              <dgm:ruleLst/>
-              <dgm:layoutNode name="textA" styleLbl="revTx">
-                <dgm:varLst>
-                  <dgm:bulletEnabled val="1"/>
-                </dgm:varLst>
-                <dgm:alg type="tx">
-                  <dgm:param type="txAnchorVert" val="b"/>
-                  <dgm:param type="txAnchorVertCh" val="b"/>
-                  <dgm:param type="txAnchorHorzCh" val="ctr"/>
-                </dgm:alg>
-                <dgm:shape xmlns:r="http://schemas.openxmlformats.org/officeDocument/2006/relationships" type="rect" r:blip="">
-                  <dgm:adjLst/>
-                </dgm:shape>
-                <dgm:presOf axis="desOrSelf" ptType="node"/>
-                <dgm:constrLst/>
-                <dgm:ruleLst>
-                  <dgm:rule type="primFontSz" val="5" fact="NaN" max="NaN"/>
-                </dgm:ruleLst>
-              </dgm:layoutNode>
-              <dgm:layoutNode name="circleA">
-                <dgm:alg type="sp"/>
-                <dgm:shape xmlns:r="http://schemas.openxmlformats.org/officeDocument/2006/relationships" type="ellipse" r:blip="">
-                  <dgm:adjLst/>
-                </dgm:shape>
-                <dgm:presOf/>
-                <dgm:constrLst/>
-                <dgm:ruleLst/>
-              </dgm:layoutNode>
-              <dgm:layoutNode name="spaceA">
-                <dgm:alg type="sp"/>
-                <dgm:shape xmlns:r="http://schemas.openxmlformats.org/officeDocument/2006/relationships" r:blip="">
-                  <dgm:adjLst/>
-                </dgm:shape>
-                <dgm:presOf/>
-                <dgm:constrLst/>
-                <dgm:ruleLst/>
-              </dgm:layoutNode>
-            </dgm:layoutNode>
-          </dgm:if>
-          <dgm:else name="Name13">
-            <dgm:layoutNode name="compositeB">
-              <dgm:alg type="composite"/>
-              <dgm:shape xmlns:r="http://schemas.openxmlformats.org/officeDocument/2006/relationships" r:blip="">
-                <dgm:adjLst/>
-              </dgm:shape>
-              <dgm:presOf/>
-              <dgm:constrLst>
-                <dgm:constr type="w" for="ch" forName="textB" refType="w"/>
-                <dgm:constr type="h" for="ch" forName="textB" refType="h" fact="0.4"/>
-                <dgm:constr type="b" for="ch" forName="textB" refType="h"/>
-                <dgm:constr type="l" for="ch" forName="textB"/>
-                <dgm:constr type="h" for="ch" forName="circleB" refType="h" fact="0.1"/>
-                <dgm:constr type="w" for="ch" forName="circleB" refType="h" refFor="ch" refForName="circleB" op="equ"/>
-                <dgm:constr type="h" for="ch" forName="circleB" refType="w" op="lte"/>
-                <dgm:constr type="ctrY" for="ch" forName="circleB" refType="h" fact="0.5"/>
-                <dgm:constr type="ctrX" for="ch" forName="circleB" refType="w" refFor="ch" refForName="textB" fact="0.5"/>
-                <dgm:constr type="w" for="ch" forName="spaceB" refType="w"/>
-                <dgm:constr type="h" for="ch" forName="spaceB" refType="h" fact="0.4"/>
-                <dgm:constr type="t" for="ch" forName="spaceB"/>
-                <dgm:constr type="l" for="ch" forName="spaceB"/>
-              </dgm:constrLst>
-              <dgm:ruleLst/>
-              <dgm:layoutNode name="textB" styleLbl="revTx">
-                <dgm:varLst>
-                  <dgm:bulletEnabled val="1"/>
-                </dgm:varLst>
-                <dgm:alg type="tx">
-                  <dgm:param type="txAnchorVert" val="t"/>
-                  <dgm:param type="txAnchorVertCh" val="t"/>
-                  <dgm:param type="txAnchorHorzCh" val="ctr"/>
-                </dgm:alg>
-                <dgm:shape xmlns:r="http://schemas.openxmlformats.org/officeDocument/2006/relationships" type="rect" r:blip="">
-                  <dgm:adjLst/>
-                </dgm:shape>
-                <dgm:presOf axis="desOrSelf" ptType="node"/>
-                <dgm:constrLst/>
-                <dgm:ruleLst>
-                  <dgm:rule type="primFontSz" val="5" fact="NaN" max="NaN"/>
-                </dgm:ruleLst>
-              </dgm:layoutNode>
-              <dgm:layoutNode name="circleB">
-                <dgm:alg type="sp"/>
-                <dgm:shape xmlns:r="http://schemas.openxmlformats.org/officeDocument/2006/relationships" type="ellipse" r:blip="">
-                  <dgm:adjLst/>
-                </dgm:shape>
-                <dgm:presOf/>
-                <dgm:constrLst/>
-                <dgm:ruleLst/>
-              </dgm:layoutNode>
-              <dgm:layoutNode name="spaceB">
-                <dgm:alg type="sp"/>
-                <dgm:shape xmlns:r="http://schemas.openxmlformats.org/officeDocument/2006/relationships" r:blip="">
-                  <dgm:adjLst/>
-                </dgm:shape>
-                <dgm:presOf/>
-                <dgm:constrLst/>
-                <dgm:ruleLst/>
-              </dgm:layoutNode>
-            </dgm:layoutNode>
-          </dgm:else>
-        </dgm:choose>
-        <dgm:forEach name="Name14" axis="followSib" ptType="sibTrans" cnt="1">
-          <dgm:layoutNode name="space">
-            <dgm:alg type="sp"/>
-            <dgm:shape xmlns:r="http://schemas.openxmlformats.org/officeDocument/2006/relationships" r:blip="">
-              <dgm:adjLst/>
-            </dgm:shape>
-            <dgm:presOf/>
-            <dgm:constrLst/>
-            <dgm:ruleLst/>
-          </dgm:layoutNode>
-        </dgm:forEach>
-      </dgm:forEach>
-    </dgm:layoutNode>
-  </dgm:layoutNode>
-</dgm:layoutDef>
-</file>
-
 <file path=ppt/diagrams/quickStyle1.xml><?xml version="1.0" encoding="utf-8"?>
-<dgm:styleDef xmlns:dgm="http://schemas.openxmlformats.org/drawingml/2006/diagram" xmlns:a="http://schemas.openxmlformats.org/drawingml/2006/main" uniqueId="urn:microsoft.com/office/officeart/2005/8/quickstyle/simple1">
-  <dgm:title val=""/>
-  <dgm:desc val=""/>
-  <dgm:catLst>
-    <dgm:cat type="simple" pri="10100"/>
-  </dgm:catLst>
-  <dgm:scene3d>
-    <a:camera prst="orthographicFront"/>
-    <a:lightRig rig="threePt" dir="t"/>
-  </dgm:scene3d>
-  <dgm:styleLbl name="node0">
-    <dgm:scene3d>
-      <a:camera prst="orthographicFront"/>
-      <a:lightRig rig="threePt" dir="t"/>
-    </dgm:scene3d>
-    <dgm:sp3d/>
-    <dgm:txPr/>
-    <dgm:style>
-      <a:lnRef idx="2">
-        <a:scrgbClr r="0" g="0" b="0"/>
-      </a:lnRef>
-      <a:fillRef idx="1">
-        <a:scrgbClr r="0" g="0" b="0"/>
-      </a:fillRef>
-      <a:effectRef idx="0">
-        <a:scrgbClr r="0" g="0" b="0"/>
-      </a:effectRef>
-      <a:fontRef idx="minor">
-        <a:schemeClr val="lt1"/>
-      </a:fontRef>
-    </dgm:style>
-  </dgm:styleLbl>
-  <dgm:styleLbl name="lnNode1">
-    <dgm:scene3d>
-      <a:camera prst="orthographicFront"/>
-      <a:lightRig rig="threePt" dir="t"/>
-    </dgm:scene3d>
-    <dgm:sp3d/>
-    <dgm:txPr/>
-    <dgm:style>
-      <a:lnRef idx="2">
-        <a:scrgbClr r="0" g="0" b="0"/>
-      </a:lnRef>
-      <a:fillRef idx="1">
-        <a:scrgbClr r="0" g="0" b="0"/>
-      </a:fillRef>
-      <a:effectRef idx="0">
-        <a:scrgbClr r="0" g="0" b="0"/>
-      </a:effectRef>
-      <a:fontRef idx="minor">
-        <a:schemeClr val="lt1"/>
-      </a:fontRef>
-    </dgm:style>
-  </dgm:styleLbl>
-  <dgm:styleLbl name="vennNode1">
-    <dgm:scene3d>
-      <a:camera prst="orthographicFront"/>
-      <a:lightRig rig="threePt" dir="t"/>
-    </dgm:scene3d>
-    <dgm:sp3d/>
-    <dgm:txPr/>
-    <dgm:style>
-      <a:lnRef idx="2">
-        <a:scrgbClr r="0" g="0" b="0"/>
-      </a:lnRef>
-      <a:fillRef idx="1">
-        <a:scrgbClr r="0" g="0" b="0"/>
-      </a:fillRef>
-      <a:effectRef idx="0">
-        <a:scrgbClr r="0" g="0" b="0"/>
-      </a:effectRef>
-      <a:fontRef idx="minor">
-        <a:schemeClr val="tx1"/>
-      </a:fontRef>
-    </dgm:style>
-  </dgm:styleLbl>
-  <dgm:styleLbl name="alignNode1">
-    <dgm:scene3d>
-      <a:camera prst="orthographicFront"/>
-      <a:lightRig rig="threePt" dir="t"/>
-    </dgm:scene3d>
-    <dgm:sp3d/>
-    <dgm:txPr/>
-    <dgm:style>
-      <a:lnRef idx="2">
-        <a:scrgbClr r="0" g="0" b="0"/>
-      </a:lnRef>
-      <a:fillRef idx="1">
-        <a:scrgbClr r="0" g="0" b="0"/>
-      </a:fillRef>
-      <a:effectRef idx="0">
-        <a:scrgbClr r="0" g="0" b="0"/>
-      </a:effectRef>
-      <a:fontRef idx="minor">
-        <a:schemeClr val="lt1"/>
-      </a:fontRef>
-    </dgm:style>
-  </dgm:styleLbl>
-  <dgm:styleLbl name="node1">
-    <dgm:scene3d>
-      <a:camera prst="orthographicFront"/>
-      <a:lightRig rig="threePt" dir="t"/>
-    </dgm:scene3d>
-    <dgm:sp3d/>
-    <dgm:txPr/>
-    <dgm:style>
-      <a:lnRef idx="2">
-        <a:scrgbClr r="0" g="0" b="0"/>
-      </a:lnRef>
-      <a:fillRef idx="1">
-        <a:scrgbClr r="0" g="0" b="0"/>
-      </a:fillRef>
-      <a:effectRef idx="0">
-        <a:scrgbClr r="0" g="0" b="0"/>
-      </a:effectRef>
-      <a:fontRef idx="minor">
-        <a:schemeClr val="lt1"/>
-      </a:fontRef>
-    </dgm:style>
-  </dgm:styleLbl>
-  <dgm:styleLbl name="node2">
-    <dgm:scene3d>
-      <a:camera prst="orthographicFront"/>
-      <a:lightRig rig="threePt" dir="t"/>
-    </dgm:scene3d>
-    <dgm:sp3d/>
-    <dgm:txPr/>
-    <dgm:style>
-      <a:lnRef idx="2">
-        <a:scrgbClr r="0" g="0" b="0"/>
-      </a:lnRef>
-      <a:fillRef idx="1">
-        <a:scrgbClr r="0" g="0" b="0"/>
-      </a:fillRef>
-      <a:effectRef idx="0">
-        <a:scrgbClr r="0" g="0" b="0"/>
-      </a:effectRef>
-      <a:fontRef idx="minor">
-        <a:schemeClr val="lt1"/>
-      </a:fontRef>
-    </dgm:style>
-  </dgm:styleLbl>
-  <dgm:styleLbl name="node3">
-    <dgm:scene3d>
-      <a:camera prst="orthographicFront"/>
-      <a:lightRig rig="threePt" dir="t"/>
-    </dgm:scene3d>
-    <dgm:sp3d/>
-    <dgm:txPr/>
-    <dgm:style>
-      <a:lnRef idx="2">
-        <a:scrgbClr r="0" g="0" b="0"/>
-      </a:lnRef>
-      <a:fillRef idx="1">
-        <a:scrgbClr r="0" g="0" b="0"/>
-      </a:fillRef>
-      <a:effectRef idx="0">
-        <a:scrgbClr r="0" g="0" b="0"/>
-      </a:effectRef>
-      <a:fontRef idx="minor">
-        <a:schemeClr val="lt1"/>
-      </a:fontRef>
-    </dgm:style>
-  </dgm:styleLbl>
-  <dgm:styleLbl name="node4">
-    <dgm:scene3d>
-      <a:camera prst="orthographicFront"/>
-      <a:lightRig rig="threePt" dir="t"/>
-    </dgm:scene3d>
-    <dgm:sp3d/>
-    <dgm:txPr/>
-    <dgm:style>
-      <a:lnRef idx="2">
-        <a:scrgbClr r="0" g="0" b="0"/>
-      </a:lnRef>
-      <a:fillRef idx="1">
-        <a:scrgbClr r="0" g="0" b="0"/>
-      </a:fillRef>
-      <a:effectRef idx="0">
-        <a:scrgbClr r="0" g="0" b="0"/>
-      </a:effectRef>
-      <a:fontRef idx="minor">
-        <a:schemeClr val="lt1"/>
-      </a:fontRef>
-    </dgm:style>
-  </dgm:styleLbl>
-  <dgm:styleLbl name="fgImgPlace1">
-    <dgm:scene3d>
-      <a:camera prst="orthographicFront"/>
-      <a:lightRig rig="threePt" dir="t"/>
-    </dgm:scene3d>
-    <dgm:sp3d/>
-    <dgm:txPr/>
-    <dgm:style>
-      <a:lnRef idx="2">
-        <a:scrgbClr r="0" g="0" b="0"/>
-      </a:lnRef>
-      <a:fillRef idx="1">
-        <a:scrgbClr r="0" g="0" b="0"/>
-      </a:fillRef>
-      <a:effectRef idx="0">
-        <a:scrgbClr r="0" g="0" b="0"/>
-      </a:effectRef>
-      <a:fontRef idx="minor"/>
-    </dgm:style>
-  </dgm:styleLbl>
-  <dgm:styleLbl name="alignImgPlace1">
-    <dgm:scene3d>
-      <a:camera prst="orthographicFront"/>
-      <a:lightRig rig="threePt" dir="t"/>
-    </dgm:scene3d>
-    <dgm:sp3d/>
-    <dgm:txPr/>
-    <dgm:style>
-      <a:lnRef idx="2">
-        <a:scrgbClr r="0" g="0" b="0"/>
-      </a:lnRef>
-      <a:fillRef idx="1">
-        <a:scrgbClr r="0" g="0" b="0"/>
-      </a:fillRef>
-      <a:effectRef idx="0">
-        <a:scrgbClr r="0" g="0" b="0"/>
-      </a:effectRef>
-      <a:fontRef idx="minor"/>
-    </dgm:style>
-  </dgm:styleLbl>
-  <dgm:styleLbl name="bgImgPlace1">
-    <dgm:scene3d>
-      <a:camera prst="orthographicFront"/>
-      <a:lightRig rig="threePt" dir="t"/>
-    </dgm:scene3d>
-    <dgm:sp3d/>
-    <dgm:txPr/>
-    <dgm:style>
-      <a:lnRef idx="2">
-        <a:scrgbClr r="0" g="0" b="0"/>
-      </a:lnRef>
-      <a:fillRef idx="1">
-        <a:scrgbClr r="0" g="0" b="0"/>
-      </a:fillRef>
-      <a:effectRef idx="0">
-        <a:scrgbClr r="0" g="0" b="0"/>
-      </a:effectRef>
-      <a:fontRef idx="minor"/>
-    </dgm:style>
-  </dgm:styleLbl>
-  <dgm:styleLbl name="sibTrans2D1">
-    <dgm:scene3d>
-      <a:camera prst="orthographicFront"/>
-      <a:lightRig rig="threePt" dir="t"/>
-    </dgm:scene3d>
-    <dgm:sp3d/>
-    <dgm:txPr/>
-    <dgm:style>
-      <a:lnRef idx="0">
-        <a:scrgbClr r="0" g="0" b="0"/>
-      </a:lnRef>
-      <a:fillRef idx="1">
-        <a:scrgbClr r="0" g="0" b="0"/>
-      </a:fillRef>
-      <a:effectRef idx="0">
-        <a:scrgbClr r="0" g="0" b="0"/>
-      </a:effectRef>
-      <a:fontRef idx="minor">
-        <a:schemeClr val="lt1"/>
-      </a:fontRef>
-    </dgm:style>
-  </dgm:styleLbl>
-  <dgm:styleLbl name="fgSibTrans2D1">
-    <dgm:scene3d>
-      <a:camera prst="orthographicFront"/>
-      <a:lightRig rig="threePt" dir="t"/>
-    </dgm:scene3d>
-    <dgm:sp3d/>
-    <dgm:txPr/>
-    <dgm:style>
-      <a:lnRef idx="0">
-        <a:scrgbClr r="0" g="0" b="0"/>
-      </a:lnRef>
-      <a:fillRef idx="1">
-        <a:scrgbClr r="0" g="0" b="0"/>
-      </a:fillRef>
-      <a:effectRef idx="0">
-        <a:scrgbClr r="0" g="0" b="0"/>
-      </a:effectRef>
-      <a:fontRef idx="minor">
-        <a:schemeClr val="lt1"/>
-      </a:fontRef>
-    </dgm:style>
-  </dgm:styleLbl>
-  <dgm:styleLbl name="bgSibTrans2D1">
-    <dgm:scene3d>
-      <a:camera prst="orthographicFront"/>
-      <a:lightRig rig="threePt" dir="t"/>
-    </dgm:scene3d>
-    <dgm:sp3d/>
-    <dgm:txPr/>
-    <dgm:style>
-      <a:lnRef idx="0">
-        <a:scrgbClr r="0" g="0" b="0"/>
-      </a:lnRef>
-      <a:fillRef idx="1">
-        <a:scrgbClr r="0" g="0" b="0"/>
-      </a:fillRef>
-      <a:effectRef idx="0">
-        <a:scrgbClr r="0" g="0" b="0"/>
-      </a:effectRef>
-      <a:fontRef idx="minor">
-        <a:schemeClr val="lt1"/>
-      </a:fontRef>
-    </dgm:style>
-  </dgm:styleLbl>
-  <dgm:styleLbl name="sibTrans1D1">
-    <dgm:scene3d>
-      <a:camera prst="orthographicFront"/>
-      <a:lightRig rig="threePt" dir="t"/>
-    </dgm:scene3d>
-    <dgm:sp3d/>
-    <dgm:txPr/>
-    <dgm:style>
-      <a:lnRef idx="1">
-        <a:scrgbClr r="0" g="0" b="0"/>
-      </a:lnRef>
-      <a:fillRef idx="0">
-        <a:scrgbClr r="0" g="0" b="0"/>
-      </a:fillRef>
-      <a:effectRef idx="0">
-        <a:scrgbClr r="0" g="0" b="0"/>
-      </a:effectRef>
-      <a:fontRef idx="minor"/>
-    </dgm:style>
-  </dgm:styleLbl>
-  <dgm:styleLbl name="callout">
-    <dgm:scene3d>
-      <a:camera prst="orthographicFront"/>
-      <a:lightRig rig="threePt" dir="t"/>
-    </dgm:scene3d>
-    <dgm:sp3d/>
-    <dgm:txPr/>
-    <dgm:style>
-      <a:lnRef idx="2">
-        <a:scrgbClr r="0" g="0" b="0"/>
-      </a:lnRef>
-      <a:fillRef idx="1">
-        <a:scrgbClr r="0" g="0" b="0"/>
-      </a:fillRef>
-      <a:effectRef idx="0">
-        <a:scrgbClr r="0" g="0" b="0"/>
-      </a:effectRef>
-      <a:fontRef idx="minor"/>
-    </dgm:style>
-  </dgm:styleLbl>
-  <dgm:styleLbl name="asst0">
-    <dgm:scene3d>
-      <a:camera prst="orthographicFront"/>
-      <a:lightRig rig="threePt" dir="t"/>
-    </dgm:scene3d>
-    <dgm:sp3d/>
-    <dgm:txPr/>
-    <dgm:style>
-      <a:lnRef idx="2">
-        <a:scrgbClr r="0" g="0" b="0"/>
-      </a:lnRef>
-      <a:fillRef idx="1">
-        <a:scrgbClr r="0" g="0" b="0"/>
-      </a:fillRef>
-      <a:effectRef idx="0">
-        <a:scrgbClr r="0" g="0" b="0"/>
-      </a:effectRef>
-      <a:fontRef idx="minor">
-        <a:schemeClr val="lt1"/>
-      </a:fontRef>
-    </dgm:style>
-  </dgm:styleLbl>
-  <dgm:styleLbl name="asst1">
-    <dgm:scene3d>
-      <a:camera prst="orthographicFront"/>
-      <a:lightRig rig="threePt" dir="t"/>
-    </dgm:scene3d>
-    <dgm:sp3d/>
-    <dgm:txPr/>
-    <dgm:style>
-      <a:lnRef idx="2">
-        <a:scrgbClr r="0" g="0" b="0"/>
-      </a:lnRef>
-      <a:fillRef idx="1">
-        <a:scrgbClr r="0" g="0" b="0"/>
-      </a:fillRef>
-      <a:effectRef idx="0">
-        <a:scrgbClr r="0" g="0" b="0"/>
-      </a:effectRef>
-      <a:fontRef idx="minor">
-        <a:schemeClr val="lt1"/>
-      </a:fontRef>
-    </dgm:style>
-  </dgm:styleLbl>
-  <dgm:styleLbl name="asst2">
-    <dgm:scene3d>
-      <a:camera prst="orthographicFront"/>
-      <a:lightRig rig="threePt" dir="t"/>
-    </dgm:scene3d>
-    <dgm:sp3d/>
-    <dgm:txPr/>
-    <dgm:style>
-      <a:lnRef idx="2">
-        <a:scrgbClr r="0" g="0" b="0"/>
-      </a:lnRef>
-      <a:fillRef idx="1">
-        <a:scrgbClr r="0" g="0" b="0"/>
-      </a:fillRef>
-      <a:effectRef idx="0">
-        <a:scrgbClr r="0" g="0" b="0"/>
-      </a:effectRef>
-      <a:fontRef idx="minor">
-        <a:schemeClr val="lt1"/>
-      </a:fontRef>
-    </dgm:style>
-  </dgm:styleLbl>
-  <dgm:styleLbl name="asst3">
-    <dgm:scene3d>
-      <a:camera prst="orthographicFront"/>
-      <a:lightRig rig="threePt" dir="t"/>
-    </dgm:scene3d>
-    <dgm:sp3d/>
-    <dgm:txPr/>
-    <dgm:style>
-      <a:lnRef idx="2">
-        <a:scrgbClr r="0" g="0" b="0"/>
-      </a:lnRef>
-      <a:fillRef idx="1">
-        <a:scrgbClr r="0" g="0" b="0"/>
-      </a:fillRef>
-      <a:effectRef idx="0">
-        <a:scrgbClr r="0" g="0" b="0"/>
-      </a:effectRef>
-      <a:fontRef idx="minor">
-        <a:schemeClr val="lt1"/>
-      </a:fontRef>
-    </dgm:style>
-  </dgm:styleLbl>
-  <dgm:styleLbl name="asst4">
-    <dgm:scene3d>
-      <a:camera prst="orthographicFront"/>
-      <a:lightRig rig="threePt" dir="t"/>
-    </dgm:scene3d>
-    <dgm:sp3d/>
-    <dgm:txPr/>
-    <dgm:style>
-      <a:lnRef idx="2">
-        <a:scrgbClr r="0" g="0" b="0"/>
-      </a:lnRef>
-      <a:fillRef idx="1">
-        <a:scrgbClr r="0" g="0" b="0"/>
-      </a:fillRef>
-      <a:effectRef idx="0">
-        <a:scrgbClr r="0" g="0" b="0"/>
-      </a:effectRef>
-      <a:fontRef idx="minor">
-        <a:schemeClr val="lt1"/>
-      </a:fontRef>
-    </dgm:style>
-  </dgm:styleLbl>
-  <dgm:styleLbl name="parChTrans2D1">
-    <dgm:scene3d>
-      <a:camera prst="orthographicFront"/>
-      <a:lightRig rig="threePt" dir="t"/>
-    </dgm:scene3d>
-    <dgm:sp3d/>
-    <dgm:txPr/>
-    <dgm:style>
-      <a:lnRef idx="2">
-        <a:scrgbClr r="0" g="0" b="0"/>
-      </a:lnRef>
-      <a:fillRef idx="1">
-        <a:scrgbClr r="0" g="0" b="0"/>
-      </a:fillRef>
-      <a:effectRef idx="0">
-        <a:scrgbClr r="0" g="0" b="0"/>
-      </a:effectRef>
-      <a:fontRef idx="minor">
-        <a:schemeClr val="lt1"/>
-      </a:fontRef>
-    </dgm:style>
-  </dgm:styleLbl>
-  <dgm:styleLbl name="parChTrans2D2">
-    <dgm:scene3d>
-      <a:camera prst="orthographicFront"/>
-      <a:lightRig rig="threePt" dir="t"/>
-    </dgm:scene3d>
-    <dgm:sp3d/>
-    <dgm:txPr/>
-    <dgm:style>
-      <a:lnRef idx="2">
-        <a:scrgbClr r="0" g="0" b="0"/>
-      </a:lnRef>
-      <a:fillRef idx="1">
-        <a:scrgbClr r="0" g="0" b="0"/>
-      </a:fillRef>
-      <a:effectRef idx="0">
-        <a:scrgbClr r="0" g="0" b="0"/>
-      </a:effectRef>
-      <a:fontRef idx="minor">
-        <a:schemeClr val="lt1"/>
-      </a:fontRef>
-    </dgm:style>
-  </dgm:styleLbl>
-  <dgm:styleLbl name="parChTrans2D3">
-    <dgm:scene3d>
-      <a:camera prst="orthographicFront"/>
-      <a:lightRig rig="threePt" dir="t"/>
-    </dgm:scene3d>
-    <dgm:sp3d/>
-    <dgm:txPr/>
-    <dgm:style>
-      <a:lnRef idx="2">
-        <a:scrgbClr r="0" g="0" b="0"/>
-      </a:lnRef>
-      <a:fillRef idx="1">
-        <a:scrgbClr r="0" g="0" b="0"/>
-      </a:fillRef>
-      <a:effectRef idx="0">
-        <a:scrgbClr r="0" g="0" b="0"/>
-      </a:effectRef>
-      <a:fontRef idx="minor">
-        <a:schemeClr val="lt1"/>
-      </a:fontRef>
-    </dgm:style>
-  </dgm:styleLbl>
-  <dgm:styleLbl name="parChTrans2D4">
-    <dgm:scene3d>
-      <a:camera prst="orthographicFront"/>
-      <a:lightRig rig="threePt" dir="t"/>
-    </dgm:scene3d>
-    <dgm:sp3d/>
-    <dgm:txPr/>
-    <dgm:style>
-      <a:lnRef idx="2">
-        <a:scrgbClr r="0" g="0" b="0"/>
-      </a:lnRef>
-      <a:fillRef idx="1">
-        <a:scrgbClr r="0" g="0" b="0"/>
-      </a:fillRef>
-      <a:effectRef idx="0">
-        <a:scrgbClr r="0" g="0" b="0"/>
-      </a:effectRef>
-      <a:fontRef idx="minor">
-        <a:schemeClr val="lt1"/>
-      </a:fontRef>
-    </dgm:style>
-  </dgm:styleLbl>
-  <dgm:styleLbl name="parChTrans1D1">
-    <dgm:scene3d>
-      <a:camera prst="orthographicFront"/>
-      <a:lightRig rig="threePt" dir="t"/>
-    </dgm:scene3d>
-    <dgm:sp3d/>
-    <dgm:txPr/>
-    <dgm:style>
-      <a:lnRef idx="2">
-        <a:scrgbClr r="0" g="0" b="0"/>
-      </a:lnRef>
-      <a:fillRef idx="0">
-        <a:scrgbClr r="0" g="0" b="0"/>
-      </a:fillRef>
-      <a:effectRef idx="0">
-        <a:scrgbClr r="0" g="0" b="0"/>
-      </a:effectRef>
-      <a:fontRef idx="minor"/>
-    </dgm:style>
-  </dgm:styleLbl>
-  <dgm:styleLbl name="parChTrans1D2">
-    <dgm:scene3d>
-      <a:camera prst="orthographicFront"/>
-      <a:lightRig rig="threePt" dir="t"/>
-    </dgm:scene3d>
-    <dgm:sp3d/>
-    <dgm:txPr/>
-    <dgm:style>
-      <a:lnRef idx="2">
-        <a:scrgbClr r="0" g="0" b="0"/>
-      </a:lnRef>
-      <a:fillRef idx="0">
-        <a:scrgbClr r="0" g="0" b="0"/>
-      </a:fillRef>
-      <a:effectRef idx="0">
-        <a:scrgbClr r="0" g="0" b="0"/>
-      </a:effectRef>
-      <a:fontRef idx="minor"/>
-    </dgm:style>
-  </dgm:styleLbl>
-  <dgm:styleLbl name="parChTrans1D3">
-    <dgm:scene3d>
-      <a:camera prst="orthographicFront"/>
-      <a:lightRig rig="threePt" dir="t"/>
-    </dgm:scene3d>
-    <dgm:sp3d/>
-    <dgm:txPr/>
-    <dgm:style>
-      <a:lnRef idx="2">
-        <a:scrgbClr r="0" g="0" b="0"/>
-      </a:lnRef>
-      <a:fillRef idx="0">
-        <a:scrgbClr r="0" g="0" b="0"/>
-      </a:fillRef>
-      <a:effectRef idx="0">
-        <a:scrgbClr r="0" g="0" b="0"/>
-      </a:effectRef>
-      <a:fontRef idx="minor"/>
-    </dgm:style>
-  </dgm:styleLbl>
-  <dgm:styleLbl name="parChTrans1D4">
-    <dgm:scene3d>
-      <a:camera prst="orthographicFront"/>
-      <a:lightRig rig="threePt" dir="t"/>
-    </dgm:scene3d>
-    <dgm:sp3d/>
-    <dgm:txPr/>
-    <dgm:style>
-      <a:lnRef idx="2">
-        <a:scrgbClr r="0" g="0" b="0"/>
-      </a:lnRef>
-      <a:fillRef idx="0">
-        <a:scrgbClr r="0" g="0" b="0"/>
-      </a:fillRef>
-      <a:effectRef idx="0">
-        <a:scrgbClr r="0" g="0" b="0"/>
-      </a:effectRef>
-      <a:fontRef idx="minor"/>
-    </dgm:style>
-  </dgm:styleLbl>
-  <dgm:styleLbl name="fgAcc1">
-    <dgm:scene3d>
-      <a:camera prst="orthographicFront"/>
-      <a:lightRig rig="threePt" dir="t"/>
-    </dgm:scene3d>
-    <dgm:sp3d/>
-    <dgm:txPr/>
-    <dgm:style>
-      <a:lnRef idx="2">
-        <a:scrgbClr r="0" g="0" b="0"/>
-      </a:lnRef>
-      <a:fillRef idx="1">
-        <a:scrgbClr r="0" g="0" b="0"/>
-      </a:fillRef>
-      <a:effectRef idx="0">
-        <a:scrgbClr r="0" g="0" b="0"/>
-      </a:effectRef>
-      <a:fontRef idx="minor"/>
-    </dgm:style>
-  </dgm:styleLbl>
-  <dgm:styleLbl name="conFgAcc1">
-    <dgm:scene3d>
-      <a:camera prst="orthographicFront"/>
-      <a:lightRig rig="threePt" dir="t"/>
-    </dgm:scene3d>
-    <dgm:sp3d/>
-    <dgm:txPr/>
-    <dgm:style>
-      <a:lnRef idx="2">
-        <a:scrgbClr r="0" g="0" b="0"/>
-      </a:lnRef>
-      <a:fillRef idx="1">
-        <a:scrgbClr r="0" g="0" b="0"/>
-      </a:fillRef>
-      <a:effectRef idx="0">
-        <a:scrgbClr r="0" g="0" b="0"/>
-      </a:effectRef>
-      <a:fontRef idx="minor"/>
-    </dgm:style>
-  </dgm:styleLbl>
-  <dgm:styleLbl name="alignAcc1">
-    <dgm:scene3d>
-      <a:camera prst="orthographicFront"/>
-      <a:lightRig rig="threePt" dir="t"/>
-    </dgm:scene3d>
-    <dgm:sp3d/>
-    <dgm:txPr/>
-    <dgm:style>
-      <a:lnRef idx="2">
-        <a:scrgbClr r="0" g="0" b="0"/>
-      </a:lnRef>
-      <a:fillRef idx="1">
-        <a:scrgbClr r="0" g="0" b="0"/>
-      </a:fillRef>
-      <a:effectRef idx="0">
-        <a:scrgbClr r="0" g="0" b="0"/>
-      </a:effectRef>
-      <a:fontRef idx="minor"/>
-    </dgm:style>
-  </dgm:styleLbl>
-  <dgm:styleLbl name="trAlignAcc1">
-    <dgm:scene3d>
-      <a:camera prst="orthographicFront"/>
-      <a:lightRig rig="threePt" dir="t"/>
-    </dgm:scene3d>
-    <dgm:sp3d/>
-    <dgm:txPr/>
-    <dgm:style>
-      <a:lnRef idx="1">
-        <a:scrgbClr r="0" g="0" b="0"/>
-      </a:lnRef>
-      <a:fillRef idx="1">
-        <a:scrgbClr r="0" g="0" b="0"/>
-      </a:fillRef>
-      <a:effectRef idx="0">
-        <a:scrgbClr r="0" g="0" b="0"/>
-      </a:effectRef>
-      <a:fontRef idx="minor"/>
-    </dgm:style>
-  </dgm:styleLbl>
-  <dgm:styleLbl name="bgAcc1">
-    <dgm:scene3d>
-      <a:camera prst="orthographicFront"/>
-      <a:lightRig rig="threePt" dir="t"/>
-    </dgm:scene3d>
-    <dgm:sp3d/>
-    <dgm:txPr/>
-    <dgm:style>
-      <a:lnRef idx="2">
-        <a:scrgbClr r="0" g="0" b="0"/>
-      </a:lnRef>
-      <a:fillRef idx="1">
-        <a:scrgbClr r="0" g="0" b="0"/>
-      </a:fillRef>
-      <a:effectRef idx="0">
-        <a:scrgbClr r="0" g="0" b="0"/>
-      </a:effectRef>
-      <a:fontRef idx="minor"/>
-    </dgm:style>
-  </dgm:styleLbl>
-  <dgm:styleLbl name="solidFgAcc1">
-    <dgm:scene3d>
-      <a:camera prst="orthographicFront"/>
-      <a:lightRig rig="threePt" dir="t"/>
-    </dgm:scene3d>
-    <dgm:sp3d/>
-    <dgm:txPr/>
-    <dgm:style>
-      <a:lnRef idx="2">
-        <a:scrgbClr r="0" g="0" b="0"/>
-      </a:lnRef>
-      <a:fillRef idx="1">
-        <a:scrgbClr r="0" g="0" b="0"/>
-      </a:fillRef>
-      <a:effectRef idx="0">
-        <a:scrgbClr r="0" g="0" b="0"/>
-      </a:effectRef>
-      <a:fontRef idx="minor"/>
-    </dgm:style>
-  </dgm:styleLbl>
-  <dgm:styleLbl name="solidAlignAcc1">
-    <dgm:scene3d>
-      <a:camera prst="orthographicFront"/>
-      <a:lightRig rig="threePt" dir="t"/>
-    </dgm:scene3d>
-    <dgm:sp3d/>
-    <dgm:txPr/>
-    <dgm:style>
-      <a:lnRef idx="2">
-        <a:scrgbClr r="0" g="0" b="0"/>
-      </a:lnRef>
-      <a:fillRef idx="1">
-        <a:scrgbClr r="0" g="0" b="0"/>
-      </a:fillRef>
-      <a:effectRef idx="0">
-        <a:scrgbClr r="0" g="0" b="0"/>
-      </a:effectRef>
-      <a:fontRef idx="minor"/>
-    </dgm:style>
-  </dgm:styleLbl>
-  <dgm:styleLbl name="solidBgAcc1">
-    <dgm:scene3d>
-      <a:camera prst="orthographicFront"/>
-      <a:lightRig rig="threePt" dir="t"/>
-    </dgm:scene3d>
-    <dgm:sp3d/>
-    <dgm:txPr/>
-    <dgm:style>
-      <a:lnRef idx="2">
-        <a:scrgbClr r="0" g="0" b="0"/>
-      </a:lnRef>
-      <a:fillRef idx="1">
-        <a:scrgbClr r="0" g="0" b="0"/>
-      </a:fillRef>
-      <a:effectRef idx="0">
-        <a:scrgbClr r="0" g="0" b="0"/>
-      </a:effectRef>
-      <a:fontRef idx="minor"/>
-    </dgm:style>
-  </dgm:styleLbl>
-  <dgm:styleLbl name="fgAccFollowNode1">
-    <dgm:scene3d>
-      <a:camera prst="orthographicFront"/>
-      <a:lightRig rig="threePt" dir="t"/>
-    </dgm:scene3d>
-    <dgm:sp3d/>
-    <dgm:txPr/>
-    <dgm:style>
-      <a:lnRef idx="2">
-        <a:scrgbClr r="0" g="0" b="0"/>
-      </a:lnRef>
-      <a:fillRef idx="1">
-        <a:scrgbClr r="0" g="0" b="0"/>
-      </a:fillRef>
-      <a:effectRef idx="0">
-        <a:scrgbClr r="0" g="0" b="0"/>
-      </a:effectRef>
-      <a:fontRef idx="minor"/>
-    </dgm:style>
-  </dgm:styleLbl>
-  <dgm:styleLbl name="alignAccFollowNode1">
-    <dgm:scene3d>
-      <a:camera prst="orthographicFront"/>
-      <a:lightRig rig="threePt" dir="t"/>
-    </dgm:scene3d>
-    <dgm:sp3d/>
-    <dgm:txPr/>
-    <dgm:style>
-      <a:lnRef idx="2">
-        <a:scrgbClr r="0" g="0" b="0"/>
-      </a:lnRef>
-      <a:fillRef idx="1">
-        <a:scrgbClr r="0" g="0" b="0"/>
-      </a:fillRef>
-      <a:effectRef idx="0">
-        <a:scrgbClr r="0" g="0" b="0"/>
-      </a:effectRef>
-      <a:fontRef idx="minor"/>
-    </dgm:style>
-  </dgm:styleLbl>
-  <dgm:styleLbl name="bgAccFollowNode1">
-    <dgm:scene3d>
-      <a:camera prst="orthographicFront"/>
-      <a:lightRig rig="threePt" dir="t"/>
-    </dgm:scene3d>
-    <dgm:sp3d/>
-    <dgm:txPr/>
-    <dgm:style>
-      <a:lnRef idx="2">
-        <a:scrgbClr r="0" g="0" b="0"/>
-      </a:lnRef>
-      <a:fillRef idx="1">
-        <a:scrgbClr r="0" g="0" b="0"/>
-      </a:fillRef>
-      <a:effectRef idx="0">
-        <a:scrgbClr r="0" g="0" b="0"/>
-      </a:effectRef>
-      <a:fontRef idx="minor"/>
-    </dgm:style>
-  </dgm:styleLbl>
-  <dgm:styleLbl name="fgAcc0">
-    <dgm:scene3d>
-      <a:camera prst="orthographicFront"/>
-      <a:lightRig rig="threePt" dir="t"/>
-    </dgm:scene3d>
-    <dgm:sp3d/>
-    <dgm:txPr/>
-    <dgm:style>
-      <a:lnRef idx="2">
-        <a:scrgbClr r="0" g="0" b="0"/>
-      </a:lnRef>
-      <a:fillRef idx="1">
-        <a:scrgbClr r="0" g="0" b="0"/>
-      </a:fillRef>
-      <a:effectRef idx="0">
-        <a:scrgbClr r="0" g="0" b="0"/>
-      </a:effectRef>
-      <a:fontRef idx="minor"/>
-    </dgm:style>
-  </dgm:styleLbl>
-  <dgm:styleLbl name="fgAcc2">
-    <dgm:scene3d>
-      <a:camera prst="orthographicFront"/>
-      <a:lightRig rig="threePt" dir="t"/>
-    </dgm:scene3d>
-    <dgm:sp3d/>
-    <dgm:txPr/>
-    <dgm:style>
-      <a:lnRef idx="2">
-        <a:scrgbClr r="0" g="0" b="0"/>
-      </a:lnRef>
-      <a:fillRef idx="1">
-        <a:scrgbClr r="0" g="0" b="0"/>
-      </a:fillRef>
-      <a:effectRef idx="0">
-        <a:scrgbClr r="0" g="0" b="0"/>
-      </a:effectRef>
-      <a:fontRef idx="minor"/>
-    </dgm:style>
-  </dgm:styleLbl>
-  <dgm:styleLbl name="fgAcc3">
-    <dgm:scene3d>
-      <a:camera prst="orthographicFront"/>
-      <a:lightRig rig="threePt" dir="t"/>
-    </dgm:scene3d>
-    <dgm:sp3d/>
-    <dgm:txPr/>
-    <dgm:style>
-      <a:lnRef idx="2">
-        <a:scrgbClr r="0" g="0" b="0"/>
-      </a:lnRef>
-      <a:fillRef idx="1">
-        <a:scrgbClr r="0" g="0" b="0"/>
-      </a:fillRef>
-      <a:effectRef idx="0">
-        <a:scrgbClr r="0" g="0" b="0"/>
-      </a:effectRef>
-      <a:fontRef idx="minor"/>
-    </dgm:style>
-  </dgm:styleLbl>
-  <dgm:styleLbl name="fgAcc4">
-    <dgm:scene3d>
-      <a:camera prst="orthographicFront"/>
-      <a:lightRig rig="threePt" dir="t"/>
-    </dgm:scene3d>
-    <dgm:sp3d/>
-    <dgm:txPr/>
-    <dgm:style>
-      <a:lnRef idx="2">
-        <a:scrgbClr r="0" g="0" b="0"/>
-      </a:lnRef>
-      <a:fillRef idx="1">
-        <a:scrgbClr r="0" g="0" b="0"/>
-      </a:fillRef>
-      <a:effectRef idx="0">
-        <a:scrgbClr r="0" g="0" b="0"/>
-      </a:effectRef>
-      <a:fontRef idx="minor"/>
-    </dgm:style>
-  </dgm:styleLbl>
-  <dgm:styleLbl name="bgShp">
-    <dgm:scene3d>
-      <a:camera prst="orthographicFront"/>
-      <a:lightRig rig="threePt" dir="t"/>
-    </dgm:scene3d>
-    <dgm:sp3d/>
-    <dgm:txPr/>
-    <dgm:style>
-      <a:lnRef idx="0">
-        <a:scrgbClr r="0" g="0" b="0"/>
-      </a:lnRef>
-      <a:fillRef idx="1">
-        <a:scrgbClr r="0" g="0" b="0"/>
-      </a:fillRef>
-      <a:effectRef idx="0">
-        <a:scrgbClr r="0" g="0" b="0"/>
-      </a:effectRef>
-      <a:fontRef idx="minor"/>
-    </dgm:style>
-  </dgm:styleLbl>
-  <dgm:styleLbl name="dkBgShp">
-    <dgm:scene3d>
-      <a:camera prst="orthographicFront"/>
-      <a:lightRig rig="threePt" dir="t"/>
-    </dgm:scene3d>
-    <dgm:sp3d/>
-    <dgm:txPr/>
-    <dgm:style>
-      <a:lnRef idx="0">
-        <a:scrgbClr r="0" g="0" b="0"/>
-      </a:lnRef>
-      <a:fillRef idx="1">
-        <a:scrgbClr r="0" g="0" b="0"/>
-      </a:fillRef>
-      <a:effectRef idx="0">
-        <a:scrgbClr r="0" g="0" b="0"/>
-      </a:effectRef>
-      <a:fontRef idx="minor"/>
-    </dgm:style>
-  </dgm:styleLbl>
-  <dgm:styleLbl name="trBgShp">
-    <dgm:scene3d>
-      <a:camera prst="orthographicFront"/>
-      <a:lightRig rig="threePt" dir="t"/>
-    </dgm:scene3d>
-    <dgm:sp3d/>
-    <dgm:txPr/>
-    <dgm:style>
-      <a:lnRef idx="0">
-        <a:scrgbClr r="0" g="0" b="0"/>
-      </a:lnRef>
-      <a:fillRef idx="1">
-        <a:scrgbClr r="0" g="0" b="0"/>
-      </a:fillRef>
-      <a:effectRef idx="0">
-        <a:scrgbClr r="0" g="0" b="0"/>
-      </a:effectRef>
-      <a:fontRef idx="minor"/>
-    </dgm:style>
-  </dgm:styleLbl>
-  <dgm:styleLbl name="fgShp">
-    <dgm:scene3d>
-      <a:camera prst="orthographicFront"/>
-      <a:lightRig rig="threePt" dir="t"/>
-    </dgm:scene3d>
-    <dgm:sp3d/>
-    <dgm:txPr/>
-    <dgm:style>
-      <a:lnRef idx="2">
-        <a:scrgbClr r="0" g="0" b="0"/>
-      </a:lnRef>
-      <a:fillRef idx="1">
-        <a:scrgbClr r="0" g="0" b="0"/>
-      </a:fillRef>
-      <a:effectRef idx="0">
-        <a:scrgbClr r="0" g="0" b="0"/>
-      </a:effectRef>
-      <a:fontRef idx="minor"/>
-    </dgm:style>
-  </dgm:styleLbl>
-  <dgm:styleLbl name="revTx">
-    <dgm:scene3d>
-      <a:camera prst="orthographicFront"/>
-      <a:lightRig rig="threePt" dir="t"/>
-    </dgm:scene3d>
-    <dgm:sp3d/>
-    <dgm:txPr/>
-    <dgm:style>
-      <a:lnRef idx="0">
-        <a:scrgbClr r="0" g="0" b="0"/>
-      </a:lnRef>
-      <a:fillRef idx="0">
-        <a:scrgbClr r="0" g="0" b="0"/>
-      </a:fillRef>
-      <a:effectRef idx="0">
-        <a:scrgbClr r="0" g="0" b="0"/>
-      </a:effectRef>
-      <a:fontRef idx="minor"/>
-    </dgm:style>
-  </dgm:styleLbl>
-</dgm:styleDef>
-</file>
-
-<file path=ppt/diagrams/quickStyle2.xml><?xml version="1.0" encoding="utf-8"?>
 <dgm:styleDef xmlns:dgm="http://schemas.openxmlformats.org/drawingml/2006/diagram" xmlns:a="http://schemas.openxmlformats.org/drawingml/2006/main" uniqueId="urn:microsoft.com/office/officeart/2005/8/quickstyle/simple1">
   <dgm:title val=""/>
   <dgm:desc val=""/>
@@ -7726,239 +4325,7 @@
     </p:spTree>
     <p:extLst>
       <p:ext uri="{BB962C8B-B14F-4D97-AF65-F5344CB8AC3E}">
-        <p14:creationId xmlns:p14="http://schemas.microsoft.com/office/powerpoint/2010/main" val="3370787827"/>
-      </p:ext>
-    </p:extLst>
-  </p:cSld>
-  <p:clrMapOvr>
-    <a:masterClrMapping/>
-  </p:clrMapOvr>
-</p:notes>
-</file>
-
-<file path=ppt/notesSlides/notesSlide5.xml><?xml version="1.0" encoding="utf-8"?>
-<p:notes xmlns:a="http://schemas.openxmlformats.org/drawingml/2006/main" xmlns:r="http://schemas.openxmlformats.org/officeDocument/2006/relationships" xmlns:p="http://schemas.openxmlformats.org/presentationml/2006/main">
-  <p:cSld>
-    <p:spTree>
-      <p:nvGrpSpPr>
-        <p:cNvPr id="1" name=""/>
-        <p:cNvGrpSpPr/>
-        <p:nvPr/>
-      </p:nvGrpSpPr>
-      <p:grpSpPr>
-        <a:xfrm>
-          <a:off x="0" y="0"/>
-          <a:ext cx="0" cy="0"/>
-          <a:chOff x="0" y="0"/>
-          <a:chExt cx="0" cy="0"/>
-        </a:xfrm>
-      </p:grpSpPr>
-      <p:sp>
-        <p:nvSpPr>
-          <p:cNvPr id="7" name="Slide Number Placeholder 6">
-            <a:extLst>
-              <a:ext uri="{FF2B5EF4-FFF2-40B4-BE49-F238E27FC236}">
-                <a16:creationId xmlns:a16="http://schemas.microsoft.com/office/drawing/2014/main" id="{FBD2F427-D0BF-4238-89D1-001E2A5EE6DF}"/>
-              </a:ext>
-            </a:extLst>
-          </p:cNvPr>
-          <p:cNvSpPr txBox="1">
-            <a:spLocks noGrp="1"/>
-          </p:cNvSpPr>
-          <p:nvPr>
-            <p:ph type="sldNum" sz="quarter" idx="5"/>
-          </p:nvPr>
-        </p:nvSpPr>
-        <p:spPr>
-          <a:ln/>
-        </p:spPr>
-        <p:txBody>
-          <a:bodyPr lIns="0" tIns="0" rIns="0" bIns="0" anchor="b" anchorCtr="0">
-            <a:noAutofit/>
-          </a:bodyPr>
-          <a:lstStyle/>
-          <a:p>
-            <a:pPr lvl="0"/>
-            <a:fld id="{4165EB73-FC66-4C42-862C-AEF5A29192C5}" type="slidenum">
-              <a:t>7</a:t>
-            </a:fld>
-            <a:endParaRPr lang="en-US"/>
-          </a:p>
-        </p:txBody>
-      </p:sp>
-      <p:sp>
-        <p:nvSpPr>
-          <p:cNvPr id="2" name="Slide Image Placeholder 1">
-            <a:extLst>
-              <a:ext uri="{FF2B5EF4-FFF2-40B4-BE49-F238E27FC236}">
-                <a16:creationId xmlns:a16="http://schemas.microsoft.com/office/drawing/2014/main" id="{5741AE78-E086-4B2E-A799-97E1FEE652E5}"/>
-              </a:ext>
-            </a:extLst>
-          </p:cNvPr>
-          <p:cNvSpPr>
-            <a:spLocks noGrp="1" noRot="1" noChangeAspect="1" noResize="1"/>
-          </p:cNvSpPr>
-          <p:nvPr>
-            <p:ph type="sldImg"/>
-          </p:nvPr>
-        </p:nvSpPr>
-        <p:spPr>
-          <a:solidFill>
-            <a:srgbClr val="729FCF"/>
-          </a:solidFill>
-          <a:ln w="25400">
-            <a:solidFill>
-              <a:srgbClr val="3465A4"/>
-            </a:solidFill>
-            <a:prstDash val="solid"/>
-          </a:ln>
-        </p:spPr>
-      </p:sp>
-      <p:sp>
-        <p:nvSpPr>
-          <p:cNvPr id="3" name="Notes Placeholder 2">
-            <a:extLst>
-              <a:ext uri="{FF2B5EF4-FFF2-40B4-BE49-F238E27FC236}">
-                <a16:creationId xmlns:a16="http://schemas.microsoft.com/office/drawing/2014/main" id="{F125699C-A75B-4609-B4B8-014E0D6F80E1}"/>
-              </a:ext>
-            </a:extLst>
-          </p:cNvPr>
-          <p:cNvSpPr txBox="1">
-            <a:spLocks noGrp="1"/>
-          </p:cNvSpPr>
-          <p:nvPr>
-            <p:ph type="body" sz="quarter" idx="1"/>
-          </p:nvPr>
-        </p:nvSpPr>
-        <p:spPr/>
-        <p:txBody>
-          <a:bodyPr/>
-          <a:lstStyle/>
-          <a:p>
-            <a:endParaRPr lang="en-US"/>
-          </a:p>
-        </p:txBody>
-      </p:sp>
-    </p:spTree>
-    <p:extLst>
-      <p:ext uri="{BB962C8B-B14F-4D97-AF65-F5344CB8AC3E}">
         <p14:creationId xmlns:p14="http://schemas.microsoft.com/office/powerpoint/2010/main" val="1821819096"/>
-      </p:ext>
-    </p:extLst>
-  </p:cSld>
-  <p:clrMapOvr>
-    <a:masterClrMapping/>
-  </p:clrMapOvr>
-</p:notes>
-</file>
-
-<file path=ppt/notesSlides/notesSlide6.xml><?xml version="1.0" encoding="utf-8"?>
-<p:notes xmlns:a="http://schemas.openxmlformats.org/drawingml/2006/main" xmlns:r="http://schemas.openxmlformats.org/officeDocument/2006/relationships" xmlns:p="http://schemas.openxmlformats.org/presentationml/2006/main">
-  <p:cSld>
-    <p:spTree>
-      <p:nvGrpSpPr>
-        <p:cNvPr id="1" name=""/>
-        <p:cNvGrpSpPr/>
-        <p:nvPr/>
-      </p:nvGrpSpPr>
-      <p:grpSpPr>
-        <a:xfrm>
-          <a:off x="0" y="0"/>
-          <a:ext cx="0" cy="0"/>
-          <a:chOff x="0" y="0"/>
-          <a:chExt cx="0" cy="0"/>
-        </a:xfrm>
-      </p:grpSpPr>
-      <p:sp>
-        <p:nvSpPr>
-          <p:cNvPr id="7" name="Slide Number Placeholder 6">
-            <a:extLst>
-              <a:ext uri="{FF2B5EF4-FFF2-40B4-BE49-F238E27FC236}">
-                <a16:creationId xmlns:a16="http://schemas.microsoft.com/office/drawing/2014/main" id="{FBD2F427-D0BF-4238-89D1-001E2A5EE6DF}"/>
-              </a:ext>
-            </a:extLst>
-          </p:cNvPr>
-          <p:cNvSpPr txBox="1">
-            <a:spLocks noGrp="1"/>
-          </p:cNvSpPr>
-          <p:nvPr>
-            <p:ph type="sldNum" sz="quarter" idx="5"/>
-          </p:nvPr>
-        </p:nvSpPr>
-        <p:spPr>
-          <a:ln/>
-        </p:spPr>
-        <p:txBody>
-          <a:bodyPr lIns="0" tIns="0" rIns="0" bIns="0" anchor="b" anchorCtr="0">
-            <a:noAutofit/>
-          </a:bodyPr>
-          <a:lstStyle/>
-          <a:p>
-            <a:pPr lvl="0"/>
-            <a:fld id="{4165EB73-FC66-4C42-862C-AEF5A29192C5}" type="slidenum">
-              <a:t>8</a:t>
-            </a:fld>
-            <a:endParaRPr lang="en-US"/>
-          </a:p>
-        </p:txBody>
-      </p:sp>
-      <p:sp>
-        <p:nvSpPr>
-          <p:cNvPr id="2" name="Slide Image Placeholder 1">
-            <a:extLst>
-              <a:ext uri="{FF2B5EF4-FFF2-40B4-BE49-F238E27FC236}">
-                <a16:creationId xmlns:a16="http://schemas.microsoft.com/office/drawing/2014/main" id="{5741AE78-E086-4B2E-A799-97E1FEE652E5}"/>
-              </a:ext>
-            </a:extLst>
-          </p:cNvPr>
-          <p:cNvSpPr>
-            <a:spLocks noGrp="1" noRot="1" noChangeAspect="1" noResize="1"/>
-          </p:cNvSpPr>
-          <p:nvPr>
-            <p:ph type="sldImg"/>
-          </p:nvPr>
-        </p:nvSpPr>
-        <p:spPr>
-          <a:solidFill>
-            <a:srgbClr val="729FCF"/>
-          </a:solidFill>
-          <a:ln w="25400">
-            <a:solidFill>
-              <a:srgbClr val="3465A4"/>
-            </a:solidFill>
-            <a:prstDash val="solid"/>
-          </a:ln>
-        </p:spPr>
-      </p:sp>
-      <p:sp>
-        <p:nvSpPr>
-          <p:cNvPr id="3" name="Notes Placeholder 2">
-            <a:extLst>
-              <a:ext uri="{FF2B5EF4-FFF2-40B4-BE49-F238E27FC236}">
-                <a16:creationId xmlns:a16="http://schemas.microsoft.com/office/drawing/2014/main" id="{F125699C-A75B-4609-B4B8-014E0D6F80E1}"/>
-              </a:ext>
-            </a:extLst>
-          </p:cNvPr>
-          <p:cNvSpPr txBox="1">
-            <a:spLocks noGrp="1"/>
-          </p:cNvSpPr>
-          <p:nvPr>
-            <p:ph type="body" sz="quarter" idx="1"/>
-          </p:nvPr>
-        </p:nvSpPr>
-        <p:spPr/>
-        <p:txBody>
-          <a:bodyPr/>
-          <a:lstStyle/>
-          <a:p>
-            <a:endParaRPr lang="en-US"/>
-          </a:p>
-        </p:txBody>
-      </p:sp>
-    </p:spTree>
-    <p:extLst>
-      <p:ext uri="{BB962C8B-B14F-4D97-AF65-F5344CB8AC3E}">
-        <p14:creationId xmlns:p14="http://schemas.microsoft.com/office/powerpoint/2010/main" val="3794968408"/>
       </p:ext>
     </p:extLst>
   </p:cSld>
@@ -10017,7 +6384,7 @@
                 </a:highlight>
                 <a:latin typeface="Calibri"/>
               </a:rPr>
-              <a:t>Project Milestones</a:t>
+              <a:t>Pointcloud Rendering</a:t>
             </a:r>
           </a:p>
         </p:txBody>
@@ -10138,13 +6505,59 @@
                     <a:alpha val="0"/>
                   </a:scrgbClr>
                 </a:highlight>
-                <a:latin typeface="Calibri"/>
               </a:rPr>
-              <a:t>Project Milestones</a:t>
+              <a:t>Pointcloud Rendering</a:t>
             </a:r>
+            <a:endParaRPr lang="de-DE" dirty="0">
+              <a:solidFill>
+                <a:srgbClr val="000000"/>
+              </a:solidFill>
+              <a:highlight>
+                <a:scrgbClr r="0" g="0" b="0">
+                  <a:alpha val="0"/>
+                </a:scrgbClr>
+              </a:highlight>
+              <a:latin typeface="Calibri"/>
+            </a:endParaRPr>
           </a:p>
         </p:txBody>
       </p:sp>
+      <p:pic>
+        <p:nvPicPr>
+          <p:cNvPr id="4" name="Picture 3">
+            <a:extLst>
+              <a:ext uri="{FF2B5EF4-FFF2-40B4-BE49-F238E27FC236}">
+                <a16:creationId xmlns:a16="http://schemas.microsoft.com/office/drawing/2014/main" id="{23D36932-FCF7-4906-9988-7B7FE74AB1C6}"/>
+              </a:ext>
+            </a:extLst>
+          </p:cNvPr>
+          <p:cNvPicPr>
+            <a:picLocks noChangeAspect="1"/>
+          </p:cNvPicPr>
+          <p:nvPr/>
+        </p:nvPicPr>
+        <p:blipFill>
+          <a:blip r:embed="rId3">
+            <a:extLst>
+              <a:ext uri="{28A0092B-C50C-407E-A947-70E740481C1C}">
+                <a14:useLocalDpi xmlns:a14="http://schemas.microsoft.com/office/drawing/2010/main" val="0"/>
+              </a:ext>
+            </a:extLst>
+          </a:blip>
+          <a:stretch>
+            <a:fillRect/>
+          </a:stretch>
+        </p:blipFill>
+        <p:spPr>
+          <a:xfrm>
+            <a:off x="2989060" y="1064956"/>
+            <a:ext cx="6213879" cy="4728088"/>
+          </a:xfrm>
+          <a:prstGeom prst="rect">
+            <a:avLst/>
+          </a:prstGeom>
+        </p:spPr>
+      </p:pic>
     </p:spTree>
     <p:extLst>
       <p:ext uri="{BB962C8B-B14F-4D97-AF65-F5344CB8AC3E}">
@@ -10159,93 +6572,6 @@
 </file>
 
 <file path=ppt/slides/slide6.xml><?xml version="1.0" encoding="utf-8"?>
-<p:sld xmlns:a="http://schemas.openxmlformats.org/drawingml/2006/main" xmlns:r="http://schemas.openxmlformats.org/officeDocument/2006/relationships" xmlns:p="http://schemas.openxmlformats.org/presentationml/2006/main">
-  <p:cSld>
-    <p:spTree>
-      <p:nvGrpSpPr>
-        <p:cNvPr id="1" name=""/>
-        <p:cNvGrpSpPr/>
-        <p:nvPr/>
-      </p:nvGrpSpPr>
-      <p:grpSpPr>
-        <a:xfrm>
-          <a:off x="0" y="0"/>
-          <a:ext cx="0" cy="0"/>
-          <a:chOff x="0" y="0"/>
-          <a:chExt cx="0" cy="0"/>
-        </a:xfrm>
-      </p:grpSpPr>
-      <p:sp>
-        <p:nvSpPr>
-          <p:cNvPr id="2" name="Titel 1">
-            <a:extLst>
-              <a:ext uri="{FF2B5EF4-FFF2-40B4-BE49-F238E27FC236}">
-                <a16:creationId xmlns:a16="http://schemas.microsoft.com/office/drawing/2014/main" id="{BFB22B63-1F34-442F-9D72-80FF0A021853}"/>
-              </a:ext>
-            </a:extLst>
-          </p:cNvPr>
-          <p:cNvSpPr txBox="1">
-            <a:spLocks noGrp="1"/>
-          </p:cNvSpPr>
-          <p:nvPr>
-            <p:ph type="title" idx="4294967295"/>
-          </p:nvPr>
-        </p:nvSpPr>
-        <p:spPr>
-          <a:xfrm>
-            <a:off x="476280" y="0"/>
-            <a:ext cx="8724600" cy="871200"/>
-          </a:xfrm>
-          <a:noFill/>
-          <a:ln>
-            <a:noFill/>
-          </a:ln>
-        </p:spPr>
-        <p:txBody>
-          <a:bodyPr wrap="square" anchor="b">
-            <a:noAutofit/>
-          </a:bodyPr>
-          <a:lstStyle/>
-          <a:p>
-            <a:pPr lvl="0">
-              <a:lnSpc>
-                <a:spcPct val="100000"/>
-              </a:lnSpc>
-              <a:spcBef>
-                <a:spcPts val="0"/>
-              </a:spcBef>
-            </a:pPr>
-            <a:r>
-              <a:rPr lang="de-DE" dirty="0">
-                <a:solidFill>
-                  <a:srgbClr val="000000"/>
-                </a:solidFill>
-                <a:highlight>
-                  <a:scrgbClr r="0" g="0" b="0">
-                    <a:alpha val="0"/>
-                  </a:scrgbClr>
-                </a:highlight>
-                <a:latin typeface="Calibri"/>
-              </a:rPr>
-              <a:t>Project Milestones</a:t>
-            </a:r>
-          </a:p>
-        </p:txBody>
-      </p:sp>
-    </p:spTree>
-    <p:extLst>
-      <p:ext uri="{BB962C8B-B14F-4D97-AF65-F5344CB8AC3E}">
-        <p14:creationId xmlns:p14="http://schemas.microsoft.com/office/powerpoint/2010/main" val="1598745433"/>
-      </p:ext>
-    </p:extLst>
-  </p:cSld>
-  <p:clrMapOvr>
-    <a:masterClrMapping/>
-  </p:clrMapOvr>
-</p:sld>
-</file>
-
-<file path=ppt/slides/slide7.xml><?xml version="1.0" encoding="utf-8"?>
 <p:sld xmlns:a="http://schemas.openxmlformats.org/drawingml/2006/main" xmlns:r="http://schemas.openxmlformats.org/officeDocument/2006/relationships" xmlns:p="http://schemas.openxmlformats.org/presentationml/2006/main">
   <p:cSld>
     <p:spTree>
@@ -10363,24 +6689,14 @@
           <a:p>
             <a:r>
               <a:rPr lang="de-DE" dirty="0"/>
-              <a:t>Seminar </a:t>
+              <a:t>Problem in estimating camera pose parameters</a:t>
             </a:r>
-            <a:r>
-              <a:rPr lang="de-DE" dirty="0" err="1"/>
-              <a:t>weeks</a:t>
-            </a:r>
-            <a:endParaRPr lang="de-DE" dirty="0"/>
           </a:p>
           <a:p>
             <a:r>
               <a:rPr lang="de-DE" dirty="0"/>
-              <a:t>OpenGL </a:t>
+              <a:t>OpenGL rendering -&gt; Fixed for now</a:t>
             </a:r>
-            <a:r>
-              <a:rPr lang="de-DE" dirty="0" err="1"/>
-              <a:t>rendering</a:t>
-            </a:r>
-            <a:endParaRPr lang="de-DE" dirty="0"/>
           </a:p>
           <a:p>
             <a:r>
@@ -10411,7 +6727,7 @@
 </p:sld>
 </file>
 
-<file path=ppt/slides/slide8.xml><?xml version="1.0" encoding="utf-8"?>
+<file path=ppt/slides/slide7.xml><?xml version="1.0" encoding="utf-8"?>
 <p:sld xmlns:a="http://schemas.openxmlformats.org/drawingml/2006/main" xmlns:r="http://schemas.openxmlformats.org/officeDocument/2006/relationships" xmlns:p="http://schemas.openxmlformats.org/presentationml/2006/main">
   <p:cSld>
     <p:spTree>
@@ -10430,89 +6746,44 @@
       </p:grpSpPr>
       <p:sp>
         <p:nvSpPr>
-          <p:cNvPr id="2" name="Titel 1">
+          <p:cNvPr id="3" name="Text Placeholder 2">
             <a:extLst>
               <a:ext uri="{FF2B5EF4-FFF2-40B4-BE49-F238E27FC236}">
-                <a16:creationId xmlns:a16="http://schemas.microsoft.com/office/drawing/2014/main" id="{BFB22B63-1F34-442F-9D72-80FF0A021853}"/>
+                <a16:creationId xmlns:a16="http://schemas.microsoft.com/office/drawing/2014/main" id="{91594DF0-161B-43AC-8D11-0D41FF295780}"/>
               </a:ext>
             </a:extLst>
           </p:cNvPr>
-          <p:cNvSpPr txBox="1">
+          <p:cNvSpPr>
             <a:spLocks noGrp="1"/>
           </p:cNvSpPr>
           <p:nvPr>
-            <p:ph type="title" idx="4294967295"/>
+            <p:ph type="body" idx="1"/>
           </p:nvPr>
         </p:nvSpPr>
         <p:spPr>
           <a:xfrm>
-            <a:off x="476280" y="0"/>
-            <a:ext cx="8724600" cy="871200"/>
+            <a:off x="466724" y="2786333"/>
+            <a:ext cx="11258552" cy="1285334"/>
           </a:xfrm>
-          <a:noFill/>
-          <a:ln>
-            <a:noFill/>
-          </a:ln>
         </p:spPr>
         <p:txBody>
-          <a:bodyPr wrap="square" anchor="b">
-            <a:noAutofit/>
-          </a:bodyPr>
+          <a:bodyPr/>
           <a:lstStyle/>
           <a:p>
-            <a:pPr lvl="0">
-              <a:lnSpc>
-                <a:spcPct val="100000"/>
-              </a:lnSpc>
-              <a:spcBef>
-                <a:spcPts val="0"/>
-              </a:spcBef>
+            <a:pPr marL="0" indent="0" algn="ctr">
+              <a:buNone/>
             </a:pPr>
             <a:r>
-              <a:rPr lang="de-DE" dirty="0">
-                <a:solidFill>
-                  <a:srgbClr val="000000"/>
-                </a:solidFill>
-                <a:highlight>
-                  <a:scrgbClr r="0" g="0" b="0">
-                    <a:alpha val="0"/>
-                  </a:scrgbClr>
-                </a:highlight>
-                <a:latin typeface="Calibri"/>
-              </a:rPr>
-              <a:t>Project Milestones</a:t>
+              <a:rPr lang="en-US" sz="6000" dirty="0"/>
+              <a:t>Questions?</a:t>
             </a:r>
           </a:p>
         </p:txBody>
       </p:sp>
-      <p:graphicFrame>
-        <p:nvGraphicFramePr>
-          <p:cNvPr id="4" name="Diagram 3">
-            <a:extLst>
-              <a:ext uri="{FF2B5EF4-FFF2-40B4-BE49-F238E27FC236}">
-                <a16:creationId xmlns:a16="http://schemas.microsoft.com/office/drawing/2014/main" id="{F20AC202-E48E-4098-8864-2908CB79845E}"/>
-              </a:ext>
-            </a:extLst>
-          </p:cNvPr>
-          <p:cNvGraphicFramePr/>
-          <p:nvPr>
-            <p:extLst/>
-          </p:nvPr>
-        </p:nvGraphicFramePr>
-        <p:xfrm>
-          <a:off x="0" y="379380"/>
-          <a:ext cx="12192000" cy="5758954"/>
-        </p:xfrm>
-        <a:graphic>
-          <a:graphicData uri="http://schemas.openxmlformats.org/drawingml/2006/diagram">
-            <dgm:relIds xmlns:dgm="http://schemas.openxmlformats.org/drawingml/2006/diagram" xmlns:r="http://schemas.openxmlformats.org/officeDocument/2006/relationships" r:dm="rId3" r:lo="rId4" r:qs="rId5" r:cs="rId6"/>
-          </a:graphicData>
-        </a:graphic>
-      </p:graphicFrame>
     </p:spTree>
     <p:extLst>
       <p:ext uri="{BB962C8B-B14F-4D97-AF65-F5344CB8AC3E}">
-        <p14:creationId xmlns:p14="http://schemas.microsoft.com/office/powerpoint/2010/main" val="391656350"/>
+        <p14:creationId xmlns:p14="http://schemas.microsoft.com/office/powerpoint/2010/main" val="1879845933"/>
       </p:ext>
     </p:extLst>
   </p:cSld>
